--- a/Fianl_Project.pptx
+++ b/Fianl_Project.pptx
@@ -7,22 +7,29 @@
   <p:sldIdLst>
     <p:sldId id="256" r:id="rId2"/>
     <p:sldId id="257" r:id="rId3"/>
-    <p:sldId id="258" r:id="rId4"/>
-    <p:sldId id="259" r:id="rId5"/>
-    <p:sldId id="260" r:id="rId6"/>
-    <p:sldId id="261" r:id="rId7"/>
-    <p:sldId id="263" r:id="rId8"/>
-    <p:sldId id="262" r:id="rId9"/>
-    <p:sldId id="264" r:id="rId10"/>
-    <p:sldId id="265" r:id="rId11"/>
-    <p:sldId id="269" r:id="rId12"/>
-    <p:sldId id="268" r:id="rId13"/>
-    <p:sldId id="270" r:id="rId14"/>
-    <p:sldId id="271" r:id="rId15"/>
-    <p:sldId id="272" r:id="rId16"/>
-    <p:sldId id="273" r:id="rId17"/>
-    <p:sldId id="266" r:id="rId18"/>
-    <p:sldId id="267" r:id="rId19"/>
+    <p:sldId id="276" r:id="rId4"/>
+    <p:sldId id="280" r:id="rId5"/>
+    <p:sldId id="275" r:id="rId6"/>
+    <p:sldId id="277" r:id="rId7"/>
+    <p:sldId id="281" r:id="rId8"/>
+    <p:sldId id="282" r:id="rId9"/>
+    <p:sldId id="258" r:id="rId10"/>
+    <p:sldId id="259" r:id="rId11"/>
+    <p:sldId id="260" r:id="rId12"/>
+    <p:sldId id="261" r:id="rId13"/>
+    <p:sldId id="263" r:id="rId14"/>
+    <p:sldId id="262" r:id="rId15"/>
+    <p:sldId id="264" r:id="rId16"/>
+    <p:sldId id="265" r:id="rId17"/>
+    <p:sldId id="269" r:id="rId18"/>
+    <p:sldId id="268" r:id="rId19"/>
+    <p:sldId id="270" r:id="rId20"/>
+    <p:sldId id="271" r:id="rId21"/>
+    <p:sldId id="274" r:id="rId22"/>
+    <p:sldId id="278" r:id="rId23"/>
+    <p:sldId id="279" r:id="rId24"/>
+    <p:sldId id="266" r:id="rId25"/>
+    <p:sldId id="267" r:id="rId26"/>
   </p:sldIdLst>
   <p:sldSz cx="12192000" cy="6858000"/>
   <p:notesSz cx="6858000" cy="9144000"/>
@@ -186,7 +193,7 @@
           <a:noFill/>
           <a:extLst>
             <a:ext uri="{909E8E84-426E-40dd-AFC4-6F175D3DCCD1}">
-              <a14:hiddenFill xmlns="" xmlns:a14="http://schemas.microsoft.com/office/drawing/2010/main">
+              <a14:hiddenFill xmlns:a14="http://schemas.microsoft.com/office/drawing/2010/main" xmlns="">
                 <a:solidFill>
                   <a:srgbClr val="FFFFFF"/>
                 </a:solidFill>
@@ -245,7 +252,7 @@
             </a:ln>
             <a:extLst>
               <a:ext uri="{91240B29-F687-4f45-9708-019B960494DF}">
-                <a14:hiddenLine xmlns="" xmlns:a14="http://schemas.microsoft.com/office/drawing/2010/main" w="9525">
+                <a14:hiddenLine xmlns:a14="http://schemas.microsoft.com/office/drawing/2010/main" xmlns="" w="9525">
                   <a:solidFill>
                     <a:srgbClr val="000000"/>
                   </a:solidFill>
@@ -335,7 +342,7 @@
             </a:ln>
             <a:extLst>
               <a:ext uri="{91240B29-F687-4f45-9708-019B960494DF}">
-                <a14:hiddenLine xmlns="" xmlns:a14="http://schemas.microsoft.com/office/drawing/2010/main" w="9525">
+                <a14:hiddenLine xmlns:a14="http://schemas.microsoft.com/office/drawing/2010/main" xmlns="" w="9525">
                   <a:solidFill>
                     <a:srgbClr val="000000"/>
                   </a:solidFill>
@@ -425,7 +432,7 @@
             </a:ln>
             <a:extLst>
               <a:ext uri="{91240B29-F687-4f45-9708-019B960494DF}">
-                <a14:hiddenLine xmlns="" xmlns:a14="http://schemas.microsoft.com/office/drawing/2010/main" w="9525">
+                <a14:hiddenLine xmlns:a14="http://schemas.microsoft.com/office/drawing/2010/main" xmlns="" w="9525">
                   <a:solidFill>
                     <a:srgbClr val="000000"/>
                   </a:solidFill>
@@ -459,7 +466,7 @@
             </a:ln>
             <a:extLst>
               <a:ext uri="{91240B29-F687-4f45-9708-019B960494DF}">
-                <a14:hiddenLine xmlns="" xmlns:a14="http://schemas.microsoft.com/office/drawing/2010/main" w="9525">
+                <a14:hiddenLine xmlns:a14="http://schemas.microsoft.com/office/drawing/2010/main" xmlns="" w="9525">
                   <a:solidFill>
                     <a:srgbClr val="000000"/>
                   </a:solidFill>
@@ -549,7 +556,7 @@
             </a:ln>
             <a:extLst>
               <a:ext uri="{91240B29-F687-4f45-9708-019B960494DF}">
-                <a14:hiddenLine xmlns="" xmlns:a14="http://schemas.microsoft.com/office/drawing/2010/main" w="9525">
+                <a14:hiddenLine xmlns:a14="http://schemas.microsoft.com/office/drawing/2010/main" xmlns="" w="9525">
                   <a:solidFill>
                     <a:srgbClr val="000000"/>
                   </a:solidFill>
@@ -611,7 +618,7 @@
             </a:ln>
             <a:extLst>
               <a:ext uri="{91240B29-F687-4f45-9708-019B960494DF}">
-                <a14:hiddenLine xmlns="" xmlns:a14="http://schemas.microsoft.com/office/drawing/2010/main" w="9525">
+                <a14:hiddenLine xmlns:a14="http://schemas.microsoft.com/office/drawing/2010/main" xmlns="" w="9525">
                   <a:solidFill>
                     <a:srgbClr val="000000"/>
                   </a:solidFill>
@@ -673,7 +680,7 @@
             </a:ln>
             <a:extLst>
               <a:ext uri="{91240B29-F687-4f45-9708-019B960494DF}">
-                <a14:hiddenLine xmlns="" xmlns:a14="http://schemas.microsoft.com/office/drawing/2010/main" w="9525">
+                <a14:hiddenLine xmlns:a14="http://schemas.microsoft.com/office/drawing/2010/main" xmlns="" w="9525">
                   <a:solidFill>
                     <a:srgbClr val="000000"/>
                   </a:solidFill>
@@ -763,7 +770,7 @@
             </a:ln>
             <a:extLst>
               <a:ext uri="{91240B29-F687-4f45-9708-019B960494DF}">
-                <a14:hiddenLine xmlns="" xmlns:a14="http://schemas.microsoft.com/office/drawing/2010/main" w="9525">
+                <a14:hiddenLine xmlns:a14="http://schemas.microsoft.com/office/drawing/2010/main" xmlns="" w="9525">
                   <a:solidFill>
                     <a:srgbClr val="000000"/>
                   </a:solidFill>
@@ -825,7 +832,7 @@
             </a:ln>
             <a:extLst>
               <a:ext uri="{91240B29-F687-4f45-9708-019B960494DF}">
-                <a14:hiddenLine xmlns="" xmlns:a14="http://schemas.microsoft.com/office/drawing/2010/main" w="9525">
+                <a14:hiddenLine xmlns:a14="http://schemas.microsoft.com/office/drawing/2010/main" xmlns="" w="9525">
                   <a:solidFill>
                     <a:srgbClr val="000000"/>
                   </a:solidFill>
@@ -887,7 +894,7 @@
             </a:ln>
             <a:extLst>
               <a:ext uri="{91240B29-F687-4f45-9708-019B960494DF}">
-                <a14:hiddenLine xmlns="" xmlns:a14="http://schemas.microsoft.com/office/drawing/2010/main" w="9525">
+                <a14:hiddenLine xmlns:a14="http://schemas.microsoft.com/office/drawing/2010/main" xmlns="" w="9525">
                   <a:solidFill>
                     <a:srgbClr val="000000"/>
                   </a:solidFill>
@@ -977,7 +984,7 @@
             </a:ln>
             <a:extLst>
               <a:ext uri="{91240B29-F687-4f45-9708-019B960494DF}">
-                <a14:hiddenLine xmlns="" xmlns:a14="http://schemas.microsoft.com/office/drawing/2010/main" w="9525">
+                <a14:hiddenLine xmlns:a14="http://schemas.microsoft.com/office/drawing/2010/main" xmlns="" w="9525">
                   <a:solidFill>
                     <a:srgbClr val="000000"/>
                   </a:solidFill>
@@ -1067,7 +1074,7 @@
             </a:ln>
             <a:extLst>
               <a:ext uri="{91240B29-F687-4f45-9708-019B960494DF}">
-                <a14:hiddenLine xmlns="" xmlns:a14="http://schemas.microsoft.com/office/drawing/2010/main" w="9525">
+                <a14:hiddenLine xmlns:a14="http://schemas.microsoft.com/office/drawing/2010/main" xmlns="" w="9525">
                   <a:solidFill>
                     <a:srgbClr val="000000"/>
                   </a:solidFill>
@@ -1129,7 +1136,7 @@
             </a:ln>
             <a:extLst>
               <a:ext uri="{91240B29-F687-4f45-9708-019B960494DF}">
-                <a14:hiddenLine xmlns="" xmlns:a14="http://schemas.microsoft.com/office/drawing/2010/main" w="9525">
+                <a14:hiddenLine xmlns:a14="http://schemas.microsoft.com/office/drawing/2010/main" xmlns="" w="9525">
                   <a:solidFill>
                     <a:srgbClr val="000000"/>
                   </a:solidFill>
@@ -1239,7 +1246,7 @@
             </a:ln>
             <a:extLst>
               <a:ext uri="{91240B29-F687-4f45-9708-019B960494DF}">
-                <a14:hiddenLine xmlns="" xmlns:a14="http://schemas.microsoft.com/office/drawing/2010/main" w="9525">
+                <a14:hiddenLine xmlns:a14="http://schemas.microsoft.com/office/drawing/2010/main" xmlns="" w="9525">
                   <a:solidFill>
                     <a:srgbClr val="000000"/>
                   </a:solidFill>
@@ -1301,7 +1308,7 @@
             </a:ln>
             <a:extLst>
               <a:ext uri="{91240B29-F687-4f45-9708-019B960494DF}">
-                <a14:hiddenLine xmlns="" xmlns:a14="http://schemas.microsoft.com/office/drawing/2010/main" w="9525">
+                <a14:hiddenLine xmlns:a14="http://schemas.microsoft.com/office/drawing/2010/main" xmlns="" w="9525">
                   <a:solidFill>
                     <a:srgbClr val="000000"/>
                   </a:solidFill>
@@ -1391,7 +1398,7 @@
             </a:ln>
             <a:extLst>
               <a:ext uri="{91240B29-F687-4f45-9708-019B960494DF}">
-                <a14:hiddenLine xmlns="" xmlns:a14="http://schemas.microsoft.com/office/drawing/2010/main" w="9525">
+                <a14:hiddenLine xmlns:a14="http://schemas.microsoft.com/office/drawing/2010/main" xmlns="" w="9525">
                   <a:solidFill>
                     <a:srgbClr val="000000"/>
                   </a:solidFill>
@@ -1481,7 +1488,7 @@
             </a:ln>
             <a:extLst>
               <a:ext uri="{91240B29-F687-4f45-9708-019B960494DF}">
-                <a14:hiddenLine xmlns="" xmlns:a14="http://schemas.microsoft.com/office/drawing/2010/main" w="9525">
+                <a14:hiddenLine xmlns:a14="http://schemas.microsoft.com/office/drawing/2010/main" xmlns="" w="9525">
                   <a:solidFill>
                     <a:srgbClr val="000000"/>
                   </a:solidFill>
@@ -1543,7 +1550,7 @@
             </a:ln>
             <a:extLst>
               <a:ext uri="{91240B29-F687-4f45-9708-019B960494DF}">
-                <a14:hiddenLine xmlns="" xmlns:a14="http://schemas.microsoft.com/office/drawing/2010/main" w="9525">
+                <a14:hiddenLine xmlns:a14="http://schemas.microsoft.com/office/drawing/2010/main" xmlns="" w="9525">
                   <a:solidFill>
                     <a:srgbClr val="000000"/>
                   </a:solidFill>
@@ -1633,7 +1640,7 @@
             </a:ln>
             <a:extLst>
               <a:ext uri="{91240B29-F687-4f45-9708-019B960494DF}">
-                <a14:hiddenLine xmlns="" xmlns:a14="http://schemas.microsoft.com/office/drawing/2010/main" w="9525">
+                <a14:hiddenLine xmlns:a14="http://schemas.microsoft.com/office/drawing/2010/main" xmlns="" w="9525">
                   <a:solidFill>
                     <a:srgbClr val="000000"/>
                   </a:solidFill>
@@ -1723,7 +1730,7 @@
             </a:ln>
             <a:extLst>
               <a:ext uri="{91240B29-F687-4f45-9708-019B960494DF}">
-                <a14:hiddenLine xmlns="" xmlns:a14="http://schemas.microsoft.com/office/drawing/2010/main" w="9525">
+                <a14:hiddenLine xmlns:a14="http://schemas.microsoft.com/office/drawing/2010/main" xmlns="" w="9525">
                   <a:solidFill>
                     <a:srgbClr val="000000"/>
                   </a:solidFill>
@@ -1779,7 +1786,7 @@
             </a:ln>
             <a:extLst>
               <a:ext uri="{91240B29-F687-4f45-9708-019B960494DF}">
-                <a14:hiddenLine xmlns="" xmlns:a14="http://schemas.microsoft.com/office/drawing/2010/main" w="9525">
+                <a14:hiddenLine xmlns:a14="http://schemas.microsoft.com/office/drawing/2010/main" xmlns="" w="9525">
                   <a:solidFill>
                     <a:srgbClr val="000000"/>
                   </a:solidFill>
@@ -1869,7 +1876,7 @@
             </a:ln>
             <a:extLst>
               <a:ext uri="{91240B29-F687-4f45-9708-019B960494DF}">
-                <a14:hiddenLine xmlns="" xmlns:a14="http://schemas.microsoft.com/office/drawing/2010/main" w="9525">
+                <a14:hiddenLine xmlns:a14="http://schemas.microsoft.com/office/drawing/2010/main" xmlns="" w="9525">
                   <a:solidFill>
                     <a:srgbClr val="000000"/>
                   </a:solidFill>
@@ -1925,7 +1932,7 @@
             </a:ln>
             <a:extLst>
               <a:ext uri="{91240B29-F687-4f45-9708-019B960494DF}">
-                <a14:hiddenLine xmlns="" xmlns:a14="http://schemas.microsoft.com/office/drawing/2010/main" w="9525">
+                <a14:hiddenLine xmlns:a14="http://schemas.microsoft.com/office/drawing/2010/main" xmlns="" w="9525">
                   <a:solidFill>
                     <a:srgbClr val="000000"/>
                   </a:solidFill>
@@ -2015,7 +2022,7 @@
             </a:ln>
             <a:extLst>
               <a:ext uri="{91240B29-F687-4f45-9708-019B960494DF}">
-                <a14:hiddenLine xmlns="" xmlns:a14="http://schemas.microsoft.com/office/drawing/2010/main" w="9525">
+                <a14:hiddenLine xmlns:a14="http://schemas.microsoft.com/office/drawing/2010/main" xmlns="" w="9525">
                   <a:solidFill>
                     <a:srgbClr val="000000"/>
                   </a:solidFill>
@@ -2083,7 +2090,7 @@
             </a:ln>
             <a:extLst>
               <a:ext uri="{91240B29-F687-4f45-9708-019B960494DF}">
-                <a14:hiddenLine xmlns="" xmlns:a14="http://schemas.microsoft.com/office/drawing/2010/main" w="9525">
+                <a14:hiddenLine xmlns:a14="http://schemas.microsoft.com/office/drawing/2010/main" xmlns="" w="9525">
                   <a:solidFill>
                     <a:srgbClr val="000000"/>
                   </a:solidFill>
@@ -2173,7 +2180,7 @@
             </a:ln>
             <a:extLst>
               <a:ext uri="{91240B29-F687-4f45-9708-019B960494DF}">
-                <a14:hiddenLine xmlns="" xmlns:a14="http://schemas.microsoft.com/office/drawing/2010/main" w="9525">
+                <a14:hiddenLine xmlns:a14="http://schemas.microsoft.com/office/drawing/2010/main" xmlns="" w="9525">
                   <a:solidFill>
                     <a:srgbClr val="000000"/>
                   </a:solidFill>
@@ -2241,7 +2248,7 @@
             </a:ln>
             <a:extLst>
               <a:ext uri="{91240B29-F687-4f45-9708-019B960494DF}">
-                <a14:hiddenLine xmlns="" xmlns:a14="http://schemas.microsoft.com/office/drawing/2010/main" w="9525">
+                <a14:hiddenLine xmlns:a14="http://schemas.microsoft.com/office/drawing/2010/main" xmlns="" w="9525">
                   <a:solidFill>
                     <a:srgbClr val="000000"/>
                   </a:solidFill>
@@ -2331,7 +2338,7 @@
             </a:ln>
             <a:extLst>
               <a:ext uri="{91240B29-F687-4f45-9708-019B960494DF}">
-                <a14:hiddenLine xmlns="" xmlns:a14="http://schemas.microsoft.com/office/drawing/2010/main" w="9525">
+                <a14:hiddenLine xmlns:a14="http://schemas.microsoft.com/office/drawing/2010/main" xmlns="" w="9525">
                   <a:solidFill>
                     <a:srgbClr val="000000"/>
                   </a:solidFill>
@@ -2365,7 +2372,7 @@
             </a:ln>
             <a:extLst>
               <a:ext uri="{91240B29-F687-4f45-9708-019B960494DF}">
-                <a14:hiddenLine xmlns="" xmlns:a14="http://schemas.microsoft.com/office/drawing/2010/main" w="9525">
+                <a14:hiddenLine xmlns:a14="http://schemas.microsoft.com/office/drawing/2010/main" xmlns="" w="9525">
                   <a:solidFill>
                     <a:srgbClr val="000000"/>
                   </a:solidFill>
@@ -2455,7 +2462,7 @@
             </a:ln>
             <a:extLst>
               <a:ext uri="{91240B29-F687-4f45-9708-019B960494DF}">
-                <a14:hiddenLine xmlns="" xmlns:a14="http://schemas.microsoft.com/office/drawing/2010/main" w="9525">
+                <a14:hiddenLine xmlns:a14="http://schemas.microsoft.com/office/drawing/2010/main" xmlns="" w="9525">
                   <a:solidFill>
                     <a:srgbClr val="000000"/>
                   </a:solidFill>
@@ -2517,7 +2524,7 @@
             </a:ln>
             <a:extLst>
               <a:ext uri="{91240B29-F687-4f45-9708-019B960494DF}">
-                <a14:hiddenLine xmlns="" xmlns:a14="http://schemas.microsoft.com/office/drawing/2010/main" w="9525">
+                <a14:hiddenLine xmlns:a14="http://schemas.microsoft.com/office/drawing/2010/main" xmlns="" w="9525">
                   <a:solidFill>
                     <a:srgbClr val="000000"/>
                   </a:solidFill>
@@ -2579,7 +2586,7 @@
             </a:ln>
             <a:extLst>
               <a:ext uri="{91240B29-F687-4f45-9708-019B960494DF}">
-                <a14:hiddenLine xmlns="" xmlns:a14="http://schemas.microsoft.com/office/drawing/2010/main" w="9525">
+                <a14:hiddenLine xmlns:a14="http://schemas.microsoft.com/office/drawing/2010/main" xmlns="" w="9525">
                   <a:solidFill>
                     <a:srgbClr val="000000"/>
                   </a:solidFill>
@@ -2669,7 +2676,7 @@
             </a:ln>
             <a:extLst>
               <a:ext uri="{91240B29-F687-4f45-9708-019B960494DF}">
-                <a14:hiddenLine xmlns="" xmlns:a14="http://schemas.microsoft.com/office/drawing/2010/main" w="9525">
+                <a14:hiddenLine xmlns:a14="http://schemas.microsoft.com/office/drawing/2010/main" xmlns="" w="9525">
                   <a:solidFill>
                     <a:srgbClr val="000000"/>
                   </a:solidFill>
@@ -2737,7 +2744,7 @@
             </a:ln>
             <a:extLst>
               <a:ext uri="{91240B29-F687-4f45-9708-019B960494DF}">
-                <a14:hiddenLine xmlns="" xmlns:a14="http://schemas.microsoft.com/office/drawing/2010/main" w="9525">
+                <a14:hiddenLine xmlns:a14="http://schemas.microsoft.com/office/drawing/2010/main" xmlns="" w="9525">
                   <a:solidFill>
                     <a:srgbClr val="000000"/>
                   </a:solidFill>
@@ -2799,7 +2806,7 @@
             </a:ln>
             <a:extLst>
               <a:ext uri="{91240B29-F687-4f45-9708-019B960494DF}">
-                <a14:hiddenLine xmlns="" xmlns:a14="http://schemas.microsoft.com/office/drawing/2010/main" w="9525">
+                <a14:hiddenLine xmlns:a14="http://schemas.microsoft.com/office/drawing/2010/main" xmlns="" w="9525">
                   <a:solidFill>
                     <a:srgbClr val="000000"/>
                   </a:solidFill>
@@ -2889,7 +2896,7 @@
             </a:ln>
             <a:extLst>
               <a:ext uri="{91240B29-F687-4f45-9708-019B960494DF}">
-                <a14:hiddenLine xmlns="" xmlns:a14="http://schemas.microsoft.com/office/drawing/2010/main" w="9525">
+                <a14:hiddenLine xmlns:a14="http://schemas.microsoft.com/office/drawing/2010/main" xmlns="" w="9525">
                   <a:solidFill>
                     <a:srgbClr val="000000"/>
                   </a:solidFill>
@@ -2951,7 +2958,7 @@
             </a:ln>
             <a:extLst>
               <a:ext uri="{91240B29-F687-4f45-9708-019B960494DF}">
-                <a14:hiddenLine xmlns="" xmlns:a14="http://schemas.microsoft.com/office/drawing/2010/main" w="9525">
+                <a14:hiddenLine xmlns:a14="http://schemas.microsoft.com/office/drawing/2010/main" xmlns="" w="9525">
                   <a:solidFill>
                     <a:srgbClr val="000000"/>
                   </a:solidFill>
@@ -3041,7 +3048,7 @@
             </a:ln>
             <a:extLst>
               <a:ext uri="{91240B29-F687-4f45-9708-019B960494DF}">
-                <a14:hiddenLine xmlns="" xmlns:a14="http://schemas.microsoft.com/office/drawing/2010/main" w="9525">
+                <a14:hiddenLine xmlns:a14="http://schemas.microsoft.com/office/drawing/2010/main" xmlns="" w="9525">
                   <a:solidFill>
                     <a:srgbClr val="000000"/>
                   </a:solidFill>
@@ -3103,7 +3110,7 @@
             </a:ln>
             <a:extLst>
               <a:ext uri="{91240B29-F687-4f45-9708-019B960494DF}">
-                <a14:hiddenLine xmlns="" xmlns:a14="http://schemas.microsoft.com/office/drawing/2010/main" w="9525">
+                <a14:hiddenLine xmlns:a14="http://schemas.microsoft.com/office/drawing/2010/main" xmlns="" w="9525">
                   <a:solidFill>
                     <a:srgbClr val="000000"/>
                   </a:solidFill>
@@ -3193,7 +3200,7 @@
             </a:ln>
             <a:extLst>
               <a:ext uri="{91240B29-F687-4f45-9708-019B960494DF}">
-                <a14:hiddenLine xmlns="" xmlns:a14="http://schemas.microsoft.com/office/drawing/2010/main" w="9525">
+                <a14:hiddenLine xmlns:a14="http://schemas.microsoft.com/office/drawing/2010/main" xmlns="" w="9525">
                   <a:solidFill>
                     <a:srgbClr val="000000"/>
                   </a:solidFill>
@@ -3227,7 +3234,7 @@
             </a:ln>
             <a:extLst>
               <a:ext uri="{91240B29-F687-4f45-9708-019B960494DF}">
-                <a14:hiddenLine xmlns="" xmlns:a14="http://schemas.microsoft.com/office/drawing/2010/main" w="9525">
+                <a14:hiddenLine xmlns:a14="http://schemas.microsoft.com/office/drawing/2010/main" xmlns="" w="9525">
                   <a:solidFill>
                     <a:srgbClr val="000000"/>
                   </a:solidFill>
@@ -3292,7 +3299,7 @@
             </a:ln>
             <a:extLst>
               <a:ext uri="{91240B29-F687-4f45-9708-019B960494DF}">
-                <a14:hiddenLine xmlns="" xmlns:a14="http://schemas.microsoft.com/office/drawing/2010/main" w="9525">
+                <a14:hiddenLine xmlns:a14="http://schemas.microsoft.com/office/drawing/2010/main" xmlns="" w="9525">
                   <a:solidFill>
                     <a:srgbClr val="000000"/>
                   </a:solidFill>
@@ -3382,7 +3389,7 @@
             </a:ln>
             <a:extLst>
               <a:ext uri="{91240B29-F687-4f45-9708-019B960494DF}">
-                <a14:hiddenLine xmlns="" xmlns:a14="http://schemas.microsoft.com/office/drawing/2010/main" w="9525">
+                <a14:hiddenLine xmlns:a14="http://schemas.microsoft.com/office/drawing/2010/main" xmlns="" w="9525">
                   <a:solidFill>
                     <a:srgbClr val="000000"/>
                   </a:solidFill>
@@ -3444,7 +3451,7 @@
             </a:ln>
             <a:extLst>
               <a:ext uri="{91240B29-F687-4f45-9708-019B960494DF}">
-                <a14:hiddenLine xmlns="" xmlns:a14="http://schemas.microsoft.com/office/drawing/2010/main" w="9525">
+                <a14:hiddenLine xmlns:a14="http://schemas.microsoft.com/office/drawing/2010/main" xmlns="" w="9525">
                   <a:solidFill>
                     <a:srgbClr val="000000"/>
                   </a:solidFill>
@@ -3534,7 +3541,7 @@
             </a:ln>
             <a:extLst>
               <a:ext uri="{91240B29-F687-4f45-9708-019B960494DF}">
-                <a14:hiddenLine xmlns="" xmlns:a14="http://schemas.microsoft.com/office/drawing/2010/main" w="9525">
+                <a14:hiddenLine xmlns:a14="http://schemas.microsoft.com/office/drawing/2010/main" xmlns="" w="9525">
                   <a:solidFill>
                     <a:srgbClr val="000000"/>
                   </a:solidFill>
@@ -3624,7 +3631,7 @@
             </a:ln>
             <a:extLst>
               <a:ext uri="{91240B29-F687-4f45-9708-019B960494DF}">
-                <a14:hiddenLine xmlns="" xmlns:a14="http://schemas.microsoft.com/office/drawing/2010/main" w="9525">
+                <a14:hiddenLine xmlns:a14="http://schemas.microsoft.com/office/drawing/2010/main" xmlns="" w="9525">
                   <a:solidFill>
                     <a:srgbClr val="000000"/>
                   </a:solidFill>
@@ -3689,7 +3696,7 @@
             </a:ln>
             <a:extLst>
               <a:ext uri="{91240B29-F687-4f45-9708-019B960494DF}">
-                <a14:hiddenLine xmlns="" xmlns:a14="http://schemas.microsoft.com/office/drawing/2010/main" w="9525">
+                <a14:hiddenLine xmlns:a14="http://schemas.microsoft.com/office/drawing/2010/main" xmlns="" w="9525">
                   <a:solidFill>
                     <a:srgbClr val="000000"/>
                   </a:solidFill>
@@ -3751,7 +3758,7 @@
             </a:ln>
             <a:extLst>
               <a:ext uri="{91240B29-F687-4f45-9708-019B960494DF}">
-                <a14:hiddenLine xmlns="" xmlns:a14="http://schemas.microsoft.com/office/drawing/2010/main" w="9525">
+                <a14:hiddenLine xmlns:a14="http://schemas.microsoft.com/office/drawing/2010/main" xmlns="" w="9525">
                   <a:solidFill>
                     <a:srgbClr val="000000"/>
                   </a:solidFill>
@@ -3841,7 +3848,7 @@
             </a:ln>
             <a:extLst>
               <a:ext uri="{91240B29-F687-4f45-9708-019B960494DF}">
-                <a14:hiddenLine xmlns="" xmlns:a14="http://schemas.microsoft.com/office/drawing/2010/main" w="9525">
+                <a14:hiddenLine xmlns:a14="http://schemas.microsoft.com/office/drawing/2010/main" xmlns="" w="9525">
                   <a:solidFill>
                     <a:srgbClr val="000000"/>
                   </a:solidFill>
@@ -3931,7 +3938,7 @@
             </a:ln>
             <a:extLst>
               <a:ext uri="{91240B29-F687-4f45-9708-019B960494DF}">
-                <a14:hiddenLine xmlns="" xmlns:a14="http://schemas.microsoft.com/office/drawing/2010/main" w="9525">
+                <a14:hiddenLine xmlns:a14="http://schemas.microsoft.com/office/drawing/2010/main" xmlns="" w="9525">
                   <a:solidFill>
                     <a:srgbClr val="000000"/>
                   </a:solidFill>
@@ -3993,7 +4000,7 @@
             </a:ln>
             <a:extLst>
               <a:ext uri="{91240B29-F687-4f45-9708-019B960494DF}">
-                <a14:hiddenLine xmlns="" xmlns:a14="http://schemas.microsoft.com/office/drawing/2010/main" w="9525">
+                <a14:hiddenLine xmlns:a14="http://schemas.microsoft.com/office/drawing/2010/main" xmlns="" w="9525">
                   <a:solidFill>
                     <a:srgbClr val="000000"/>
                   </a:solidFill>
@@ -4113,7 +4120,7 @@
             </a:ln>
             <a:extLst>
               <a:ext uri="{91240B29-F687-4f45-9708-019B960494DF}">
-                <a14:hiddenLine xmlns="" xmlns:a14="http://schemas.microsoft.com/office/drawing/2010/main" w="9525">
+                <a14:hiddenLine xmlns:a14="http://schemas.microsoft.com/office/drawing/2010/main" xmlns="" w="9525">
                   <a:solidFill>
                     <a:srgbClr val="000000"/>
                   </a:solidFill>
@@ -4181,7 +4188,7 @@
             </a:ln>
             <a:extLst>
               <a:ext uri="{91240B29-F687-4f45-9708-019B960494DF}">
-                <a14:hiddenLine xmlns="" xmlns:a14="http://schemas.microsoft.com/office/drawing/2010/main" w="9525">
+                <a14:hiddenLine xmlns:a14="http://schemas.microsoft.com/office/drawing/2010/main" xmlns="" w="9525">
                   <a:solidFill>
                     <a:srgbClr val="000000"/>
                   </a:solidFill>
@@ -4271,7 +4278,7 @@
             </a:ln>
             <a:extLst>
               <a:ext uri="{91240B29-F687-4f45-9708-019B960494DF}">
-                <a14:hiddenLine xmlns="" xmlns:a14="http://schemas.microsoft.com/office/drawing/2010/main" w="9525">
+                <a14:hiddenLine xmlns:a14="http://schemas.microsoft.com/office/drawing/2010/main" xmlns="" w="9525">
                   <a:solidFill>
                     <a:srgbClr val="000000"/>
                   </a:solidFill>
@@ -4411,7 +4418,7 @@
           <a:p>
             <a:fld id="{48A87A34-81AB-432B-8DAE-1953F412C126}" type="datetimeFigureOut">
               <a:rPr lang="en-US" dirty="0"/>
-              <a:t>5/10/2017</a:t>
+              <a:t>5/15/2017</a:t>
             </a:fld>
             <a:endParaRPr lang="en-US" dirty="0"/>
           </a:p>
@@ -4673,7 +4680,7 @@
           <a:p>
             <a:fld id="{48A87A34-81AB-432B-8DAE-1953F412C126}" type="datetimeFigureOut">
               <a:rPr lang="en-US" dirty="0"/>
-              <a:t>5/10/2017</a:t>
+              <a:t>5/15/2017</a:t>
             </a:fld>
             <a:endParaRPr lang="en-US" dirty="0"/>
           </a:p>
@@ -4864,7 +4871,7 @@
           <a:p>
             <a:fld id="{48A87A34-81AB-432B-8DAE-1953F412C126}" type="datetimeFigureOut">
               <a:rPr lang="en-US" dirty="0"/>
-              <a:t>5/10/2017</a:t>
+              <a:t>5/15/2017</a:t>
             </a:fld>
             <a:endParaRPr lang="en-US" dirty="0"/>
           </a:p>
@@ -5122,7 +5129,7 @@
           <a:p>
             <a:fld id="{48A87A34-81AB-432B-8DAE-1953F412C126}" type="datetimeFigureOut">
               <a:rPr lang="en-US" dirty="0"/>
-              <a:t>5/10/2017</a:t>
+              <a:t>5/15/2017</a:t>
             </a:fld>
             <a:endParaRPr lang="en-US" dirty="0"/>
           </a:p>
@@ -5551,7 +5558,7 @@
           <a:p>
             <a:fld id="{48A87A34-81AB-432B-8DAE-1953F412C126}" type="datetimeFigureOut">
               <a:rPr lang="en-US" dirty="0"/>
-              <a:t>5/10/2017</a:t>
+              <a:t>5/15/2017</a:t>
             </a:fld>
             <a:endParaRPr lang="en-US" dirty="0"/>
           </a:p>
@@ -6092,7 +6099,7 @@
           <a:p>
             <a:fld id="{48A87A34-81AB-432B-8DAE-1953F412C126}" type="datetimeFigureOut">
               <a:rPr lang="en-US" dirty="0"/>
-              <a:t>5/10/2017</a:t>
+              <a:t>5/15/2017</a:t>
             </a:fld>
             <a:endParaRPr lang="en-US" dirty="0"/>
           </a:p>
@@ -6807,7 +6814,7 @@
           <a:p>
             <a:fld id="{48A87A34-81AB-432B-8DAE-1953F412C126}" type="datetimeFigureOut">
               <a:rPr lang="en-US" dirty="0"/>
-              <a:t>5/10/2017</a:t>
+              <a:t>5/15/2017</a:t>
             </a:fld>
             <a:endParaRPr lang="en-US" dirty="0"/>
           </a:p>
@@ -6972,7 +6979,7 @@
           <a:p>
             <a:fld id="{48A87A34-81AB-432B-8DAE-1953F412C126}" type="datetimeFigureOut">
               <a:rPr lang="en-US" dirty="0"/>
-              <a:t>5/10/2017</a:t>
+              <a:t>5/15/2017</a:t>
             </a:fld>
             <a:endParaRPr lang="en-US" dirty="0"/>
           </a:p>
@@ -7147,7 +7154,7 @@
           <a:p>
             <a:fld id="{48A87A34-81AB-432B-8DAE-1953F412C126}" type="datetimeFigureOut">
               <a:rPr lang="en-US" dirty="0"/>
-              <a:t>5/10/2017</a:t>
+              <a:t>5/15/2017</a:t>
             </a:fld>
             <a:endParaRPr lang="en-US" dirty="0"/>
           </a:p>
@@ -7312,7 +7319,7 @@
           <a:p>
             <a:fld id="{48A87A34-81AB-432B-8DAE-1953F412C126}" type="datetimeFigureOut">
               <a:rPr lang="en-US" dirty="0"/>
-              <a:t>5/10/2017</a:t>
+              <a:t>5/15/2017</a:t>
             </a:fld>
             <a:endParaRPr lang="en-US" dirty="0"/>
           </a:p>
@@ -7557,7 +7564,7 @@
           <a:p>
             <a:fld id="{48A87A34-81AB-432B-8DAE-1953F412C126}" type="datetimeFigureOut">
               <a:rPr lang="en-US" dirty="0"/>
-              <a:t>5/10/2017</a:t>
+              <a:t>5/15/2017</a:t>
             </a:fld>
             <a:endParaRPr lang="en-US" dirty="0"/>
           </a:p>
@@ -7784,7 +7791,7 @@
           <a:p>
             <a:fld id="{48A87A34-81AB-432B-8DAE-1953F412C126}" type="datetimeFigureOut">
               <a:rPr lang="en-US" dirty="0"/>
-              <a:t>5/10/2017</a:t>
+              <a:t>5/15/2017</a:t>
             </a:fld>
             <a:endParaRPr lang="en-US" dirty="0"/>
           </a:p>
@@ -8160,7 +8167,7 @@
           <a:p>
             <a:fld id="{48A87A34-81AB-432B-8DAE-1953F412C126}" type="datetimeFigureOut">
               <a:rPr lang="en-US" dirty="0"/>
-              <a:t>5/10/2017</a:t>
+              <a:t>5/15/2017</a:t>
             </a:fld>
             <a:endParaRPr lang="en-US" dirty="0"/>
           </a:p>
@@ -8273,7 +8280,7 @@
           <a:p>
             <a:fld id="{48A87A34-81AB-432B-8DAE-1953F412C126}" type="datetimeFigureOut">
               <a:rPr lang="en-US" dirty="0"/>
-              <a:t>5/10/2017</a:t>
+              <a:t>5/15/2017</a:t>
             </a:fld>
             <a:endParaRPr lang="en-US" dirty="0"/>
           </a:p>
@@ -8363,7 +8370,7 @@
           <a:p>
             <a:fld id="{48A87A34-81AB-432B-8DAE-1953F412C126}" type="datetimeFigureOut">
               <a:rPr lang="en-US" dirty="0"/>
-              <a:t>5/10/2017</a:t>
+              <a:t>5/15/2017</a:t>
             </a:fld>
             <a:endParaRPr lang="en-US" dirty="0"/>
           </a:p>
@@ -8607,7 +8614,7 @@
           <a:p>
             <a:fld id="{48A87A34-81AB-432B-8DAE-1953F412C126}" type="datetimeFigureOut">
               <a:rPr lang="en-US" dirty="0"/>
-              <a:t>5/10/2017</a:t>
+              <a:t>5/15/2017</a:t>
             </a:fld>
             <a:endParaRPr lang="en-US" dirty="0"/>
           </a:p>
@@ -8882,7 +8889,7 @@
           <a:p>
             <a:fld id="{48A87A34-81AB-432B-8DAE-1953F412C126}" type="datetimeFigureOut">
               <a:rPr lang="en-US" dirty="0"/>
-              <a:t>5/10/2017</a:t>
+              <a:t>5/15/2017</a:t>
             </a:fld>
             <a:endParaRPr lang="en-US" dirty="0"/>
           </a:p>
@@ -9000,7 +9007,7 @@
           <a:noFill/>
           <a:extLst>
             <a:ext uri="{909E8E84-426E-40dd-AFC4-6F175D3DCCD1}">
-              <a14:hiddenFill xmlns="" xmlns:a14="http://schemas.microsoft.com/office/drawing/2010/main">
+              <a14:hiddenFill xmlns:a14="http://schemas.microsoft.com/office/drawing/2010/main" xmlns="">
                 <a:solidFill>
                   <a:srgbClr val="FFFFFF"/>
                 </a:solidFill>
@@ -9074,7 +9081,7 @@
               </a:ln>
               <a:extLst>
                 <a:ext uri="{91240B29-F687-4f45-9708-019B960494DF}">
-                  <a14:hiddenLine xmlns="" xmlns:a14="http://schemas.microsoft.com/office/drawing/2010/main" w="9525">
+                  <a14:hiddenLine xmlns:a14="http://schemas.microsoft.com/office/drawing/2010/main" xmlns="" w="9525">
                     <a:solidFill>
                       <a:srgbClr val="000000"/>
                     </a:solidFill>
@@ -9164,7 +9171,7 @@
               </a:ln>
               <a:extLst>
                 <a:ext uri="{91240B29-F687-4f45-9708-019B960494DF}">
-                  <a14:hiddenLine xmlns="" xmlns:a14="http://schemas.microsoft.com/office/drawing/2010/main" w="9525">
+                  <a14:hiddenLine xmlns:a14="http://schemas.microsoft.com/office/drawing/2010/main" xmlns="" w="9525">
                     <a:solidFill>
                       <a:srgbClr val="000000"/>
                     </a:solidFill>
@@ -9254,7 +9261,7 @@
               </a:ln>
               <a:extLst>
                 <a:ext uri="{91240B29-F687-4f45-9708-019B960494DF}">
-                  <a14:hiddenLine xmlns="" xmlns:a14="http://schemas.microsoft.com/office/drawing/2010/main" w="9525">
+                  <a14:hiddenLine xmlns:a14="http://schemas.microsoft.com/office/drawing/2010/main" xmlns="" w="9525">
                     <a:solidFill>
                       <a:srgbClr val="000000"/>
                     </a:solidFill>
@@ -9316,7 +9323,7 @@
               </a:ln>
               <a:extLst>
                 <a:ext uri="{91240B29-F687-4f45-9708-019B960494DF}">
-                  <a14:hiddenLine xmlns="" xmlns:a14="http://schemas.microsoft.com/office/drawing/2010/main" w="9525">
+                  <a14:hiddenLine xmlns:a14="http://schemas.microsoft.com/office/drawing/2010/main" xmlns="" w="9525">
                     <a:solidFill>
                       <a:srgbClr val="000000"/>
                     </a:solidFill>
@@ -9406,7 +9413,7 @@
               </a:ln>
               <a:extLst>
                 <a:ext uri="{91240B29-F687-4f45-9708-019B960494DF}">
-                  <a14:hiddenLine xmlns="" xmlns:a14="http://schemas.microsoft.com/office/drawing/2010/main" w="9525">
+                  <a14:hiddenLine xmlns:a14="http://schemas.microsoft.com/office/drawing/2010/main" xmlns="" w="9525">
                     <a:solidFill>
                       <a:srgbClr val="000000"/>
                     </a:solidFill>
@@ -9468,7 +9475,7 @@
               </a:ln>
               <a:extLst>
                 <a:ext uri="{91240B29-F687-4f45-9708-019B960494DF}">
-                  <a14:hiddenLine xmlns="" xmlns:a14="http://schemas.microsoft.com/office/drawing/2010/main" w="9525">
+                  <a14:hiddenLine xmlns:a14="http://schemas.microsoft.com/office/drawing/2010/main" xmlns="" w="9525">
                     <a:solidFill>
                       <a:srgbClr val="000000"/>
                     </a:solidFill>
@@ -9530,7 +9537,7 @@
               </a:ln>
               <a:extLst>
                 <a:ext uri="{91240B29-F687-4f45-9708-019B960494DF}">
-                  <a14:hiddenLine xmlns="" xmlns:a14="http://schemas.microsoft.com/office/drawing/2010/main" w="9525">
+                  <a14:hiddenLine xmlns:a14="http://schemas.microsoft.com/office/drawing/2010/main" xmlns="" w="9525">
                     <a:solidFill>
                       <a:srgbClr val="000000"/>
                     </a:solidFill>
@@ -9620,7 +9627,7 @@
               </a:ln>
               <a:extLst>
                 <a:ext uri="{91240B29-F687-4f45-9708-019B960494DF}">
-                  <a14:hiddenLine xmlns="" xmlns:a14="http://schemas.microsoft.com/office/drawing/2010/main" w="9525">
+                  <a14:hiddenLine xmlns:a14="http://schemas.microsoft.com/office/drawing/2010/main" xmlns="" w="9525">
                     <a:solidFill>
                       <a:srgbClr val="000000"/>
                     </a:solidFill>
@@ -9710,7 +9717,7 @@
               </a:ln>
               <a:extLst>
                 <a:ext uri="{91240B29-F687-4f45-9708-019B960494DF}">
-                  <a14:hiddenLine xmlns="" xmlns:a14="http://schemas.microsoft.com/office/drawing/2010/main" w="9525">
+                  <a14:hiddenLine xmlns:a14="http://schemas.microsoft.com/office/drawing/2010/main" xmlns="" w="9525">
                     <a:solidFill>
                       <a:srgbClr val="000000"/>
                     </a:solidFill>
@@ -9772,7 +9779,7 @@
               </a:ln>
               <a:extLst>
                 <a:ext uri="{91240B29-F687-4f45-9708-019B960494DF}">
-                  <a14:hiddenLine xmlns="" xmlns:a14="http://schemas.microsoft.com/office/drawing/2010/main" w="9525">
+                  <a14:hiddenLine xmlns:a14="http://schemas.microsoft.com/office/drawing/2010/main" xmlns="" w="9525">
                     <a:solidFill>
                       <a:srgbClr val="000000"/>
                     </a:solidFill>
@@ -9882,7 +9889,7 @@
               </a:ln>
               <a:extLst>
                 <a:ext uri="{91240B29-F687-4f45-9708-019B960494DF}">
-                  <a14:hiddenLine xmlns="" xmlns:a14="http://schemas.microsoft.com/office/drawing/2010/main" w="9525">
+                  <a14:hiddenLine xmlns:a14="http://schemas.microsoft.com/office/drawing/2010/main" xmlns="" w="9525">
                     <a:solidFill>
                       <a:srgbClr val="000000"/>
                     </a:solidFill>
@@ -9966,7 +9973,7 @@
               </a:ln>
               <a:extLst>
                 <a:ext uri="{91240B29-F687-4f45-9708-019B960494DF}">
-                  <a14:hiddenLine xmlns="" xmlns:a14="http://schemas.microsoft.com/office/drawing/2010/main" w="9525">
+                  <a14:hiddenLine xmlns:a14="http://schemas.microsoft.com/office/drawing/2010/main" xmlns="" w="9525">
                     <a:solidFill>
                       <a:srgbClr val="000000"/>
                     </a:solidFill>
@@ -10028,7 +10035,7 @@
               </a:ln>
               <a:extLst>
                 <a:ext uri="{91240B29-F687-4f45-9708-019B960494DF}">
-                  <a14:hiddenLine xmlns="" xmlns:a14="http://schemas.microsoft.com/office/drawing/2010/main" w="9525">
+                  <a14:hiddenLine xmlns:a14="http://schemas.microsoft.com/office/drawing/2010/main" xmlns="" w="9525">
                     <a:solidFill>
                       <a:srgbClr val="000000"/>
                     </a:solidFill>
@@ -10090,7 +10097,7 @@
               </a:ln>
               <a:extLst>
                 <a:ext uri="{91240B29-F687-4f45-9708-019B960494DF}">
-                  <a14:hiddenLine xmlns="" xmlns:a14="http://schemas.microsoft.com/office/drawing/2010/main" w="9525">
+                  <a14:hiddenLine xmlns:a14="http://schemas.microsoft.com/office/drawing/2010/main" xmlns="" w="9525">
                     <a:solidFill>
                       <a:srgbClr val="000000"/>
                     </a:solidFill>
@@ -10180,7 +10187,7 @@
               </a:ln>
               <a:extLst>
                 <a:ext uri="{91240B29-F687-4f45-9708-019B960494DF}">
-                  <a14:hiddenLine xmlns="" xmlns:a14="http://schemas.microsoft.com/office/drawing/2010/main" w="9525">
+                  <a14:hiddenLine xmlns:a14="http://schemas.microsoft.com/office/drawing/2010/main" xmlns="" w="9525">
                     <a:solidFill>
                       <a:srgbClr val="000000"/>
                     </a:solidFill>
@@ -10214,7 +10221,7 @@
               </a:ln>
               <a:extLst>
                 <a:ext uri="{91240B29-F687-4f45-9708-019B960494DF}">
-                  <a14:hiddenLine xmlns="" xmlns:a14="http://schemas.microsoft.com/office/drawing/2010/main" w="9525">
+                  <a14:hiddenLine xmlns:a14="http://schemas.microsoft.com/office/drawing/2010/main" xmlns="" w="9525">
                     <a:solidFill>
                       <a:srgbClr val="000000"/>
                     </a:solidFill>
@@ -10279,7 +10286,7 @@
               </a:ln>
               <a:extLst>
                 <a:ext uri="{91240B29-F687-4f45-9708-019B960494DF}">
-                  <a14:hiddenLine xmlns="" xmlns:a14="http://schemas.microsoft.com/office/drawing/2010/main" w="9525">
+                  <a14:hiddenLine xmlns:a14="http://schemas.microsoft.com/office/drawing/2010/main" xmlns="" w="9525">
                     <a:solidFill>
                       <a:srgbClr val="000000"/>
                     </a:solidFill>
@@ -10369,7 +10376,7 @@
               </a:ln>
               <a:extLst>
                 <a:ext uri="{91240B29-F687-4f45-9708-019B960494DF}">
-                  <a14:hiddenLine xmlns="" xmlns:a14="http://schemas.microsoft.com/office/drawing/2010/main" w="9525">
+                  <a14:hiddenLine xmlns:a14="http://schemas.microsoft.com/office/drawing/2010/main" xmlns="" w="9525">
                     <a:solidFill>
                       <a:srgbClr val="000000"/>
                     </a:solidFill>
@@ -10431,7 +10438,7 @@
               </a:ln>
               <a:extLst>
                 <a:ext uri="{91240B29-F687-4f45-9708-019B960494DF}">
-                  <a14:hiddenLine xmlns="" xmlns:a14="http://schemas.microsoft.com/office/drawing/2010/main" w="9525">
+                  <a14:hiddenLine xmlns:a14="http://schemas.microsoft.com/office/drawing/2010/main" xmlns="" w="9525">
                     <a:solidFill>
                       <a:srgbClr val="000000"/>
                     </a:solidFill>
@@ -10521,7 +10528,7 @@
               </a:ln>
               <a:extLst>
                 <a:ext uri="{91240B29-F687-4f45-9708-019B960494DF}">
-                  <a14:hiddenLine xmlns="" xmlns:a14="http://schemas.microsoft.com/office/drawing/2010/main" w="9525">
+                  <a14:hiddenLine xmlns:a14="http://schemas.microsoft.com/office/drawing/2010/main" xmlns="" w="9525">
                     <a:solidFill>
                       <a:srgbClr val="000000"/>
                     </a:solidFill>
@@ -10586,7 +10593,7 @@
               </a:ln>
               <a:extLst>
                 <a:ext uri="{91240B29-F687-4f45-9708-019B960494DF}">
-                  <a14:hiddenLine xmlns="" xmlns:a14="http://schemas.microsoft.com/office/drawing/2010/main" w="9525">
+                  <a14:hiddenLine xmlns:a14="http://schemas.microsoft.com/office/drawing/2010/main" xmlns="" w="9525">
                     <a:solidFill>
                       <a:srgbClr val="000000"/>
                     </a:solidFill>
@@ -10648,7 +10655,7 @@
               </a:ln>
               <a:extLst>
                 <a:ext uri="{91240B29-F687-4f45-9708-019B960494DF}">
-                  <a14:hiddenLine xmlns="" xmlns:a14="http://schemas.microsoft.com/office/drawing/2010/main" w="9525">
+                  <a14:hiddenLine xmlns:a14="http://schemas.microsoft.com/office/drawing/2010/main" xmlns="" w="9525">
                     <a:solidFill>
                       <a:srgbClr val="000000"/>
                     </a:solidFill>
@@ -10738,7 +10745,7 @@
               </a:ln>
               <a:extLst>
                 <a:ext uri="{91240B29-F687-4f45-9708-019B960494DF}">
-                  <a14:hiddenLine xmlns="" xmlns:a14="http://schemas.microsoft.com/office/drawing/2010/main" w="9525">
+                  <a14:hiddenLine xmlns:a14="http://schemas.microsoft.com/office/drawing/2010/main" xmlns="" w="9525">
                     <a:solidFill>
                       <a:srgbClr val="000000"/>
                     </a:solidFill>
@@ -10828,7 +10835,7 @@
               </a:ln>
               <a:extLst>
                 <a:ext uri="{91240B29-F687-4f45-9708-019B960494DF}">
-                  <a14:hiddenLine xmlns="" xmlns:a14="http://schemas.microsoft.com/office/drawing/2010/main" w="9525">
+                  <a14:hiddenLine xmlns:a14="http://schemas.microsoft.com/office/drawing/2010/main" xmlns="" w="9525">
                     <a:solidFill>
                       <a:srgbClr val="000000"/>
                     </a:solidFill>
@@ -10893,7 +10900,7 @@
               </a:ln>
               <a:extLst>
                 <a:ext uri="{91240B29-F687-4f45-9708-019B960494DF}">
-                  <a14:hiddenLine xmlns="" xmlns:a14="http://schemas.microsoft.com/office/drawing/2010/main" w="9525">
+                  <a14:hiddenLine xmlns:a14="http://schemas.microsoft.com/office/drawing/2010/main" xmlns="" w="9525">
                     <a:solidFill>
                       <a:srgbClr val="000000"/>
                     </a:solidFill>
@@ -11013,7 +11020,7 @@
               </a:ln>
               <a:extLst>
                 <a:ext uri="{91240B29-F687-4f45-9708-019B960494DF}">
-                  <a14:hiddenLine xmlns="" xmlns:a14="http://schemas.microsoft.com/office/drawing/2010/main" w="9525">
+                  <a14:hiddenLine xmlns:a14="http://schemas.microsoft.com/office/drawing/2010/main" xmlns="" w="9525">
                     <a:solidFill>
                       <a:srgbClr val="000000"/>
                     </a:solidFill>
@@ -11094,7 +11101,7 @@
               </a:ln>
               <a:extLst>
                 <a:ext uri="{91240B29-F687-4f45-9708-019B960494DF}">
-                  <a14:hiddenLine xmlns="" xmlns:a14="http://schemas.microsoft.com/office/drawing/2010/main" w="9525">
+                  <a14:hiddenLine xmlns:a14="http://schemas.microsoft.com/office/drawing/2010/main" xmlns="" w="9525">
                     <a:solidFill>
                       <a:srgbClr val="000000"/>
                     </a:solidFill>
@@ -11209,7 +11216,7 @@
               </a:ln>
               <a:extLst>
                 <a:ext uri="{91240B29-F687-4f45-9708-019B960494DF}">
-                  <a14:hiddenLine xmlns="" xmlns:a14="http://schemas.microsoft.com/office/drawing/2010/main" w="9525">
+                  <a14:hiddenLine xmlns:a14="http://schemas.microsoft.com/office/drawing/2010/main" xmlns="" w="9525">
                     <a:solidFill>
                       <a:srgbClr val="000000"/>
                     </a:solidFill>
@@ -11299,7 +11306,7 @@
               </a:ln>
               <a:extLst>
                 <a:ext uri="{91240B29-F687-4f45-9708-019B960494DF}">
-                  <a14:hiddenLine xmlns="" xmlns:a14="http://schemas.microsoft.com/office/drawing/2010/main" w="9525">
+                  <a14:hiddenLine xmlns:a14="http://schemas.microsoft.com/office/drawing/2010/main" xmlns="" w="9525">
                     <a:solidFill>
                       <a:srgbClr val="000000"/>
                     </a:solidFill>
@@ -11364,7 +11371,7 @@
               </a:ln>
               <a:extLst>
                 <a:ext uri="{91240B29-F687-4f45-9708-019B960494DF}">
-                  <a14:hiddenLine xmlns="" xmlns:a14="http://schemas.microsoft.com/office/drawing/2010/main" w="9525">
+                  <a14:hiddenLine xmlns:a14="http://schemas.microsoft.com/office/drawing/2010/main" xmlns="" w="9525">
                     <a:solidFill>
                       <a:srgbClr val="000000"/>
                     </a:solidFill>
@@ -11454,7 +11461,7 @@
               </a:ln>
               <a:extLst>
                 <a:ext uri="{91240B29-F687-4f45-9708-019B960494DF}">
-                  <a14:hiddenLine xmlns="" xmlns:a14="http://schemas.microsoft.com/office/drawing/2010/main" w="9525">
+                  <a14:hiddenLine xmlns:a14="http://schemas.microsoft.com/office/drawing/2010/main" xmlns="" w="9525">
                     <a:solidFill>
                       <a:srgbClr val="000000"/>
                     </a:solidFill>
@@ -11522,7 +11529,7 @@
               </a:ln>
               <a:extLst>
                 <a:ext uri="{91240B29-F687-4f45-9708-019B960494DF}">
-                  <a14:hiddenLine xmlns="" xmlns:a14="http://schemas.microsoft.com/office/drawing/2010/main" w="9525">
+                  <a14:hiddenLine xmlns:a14="http://schemas.microsoft.com/office/drawing/2010/main" xmlns="" w="9525">
                     <a:solidFill>
                       <a:srgbClr val="000000"/>
                     </a:solidFill>
@@ -11612,7 +11619,7 @@
               </a:ln>
               <a:extLst>
                 <a:ext uri="{91240B29-F687-4f45-9708-019B960494DF}">
-                  <a14:hiddenLine xmlns="" xmlns:a14="http://schemas.microsoft.com/office/drawing/2010/main" w="9525">
+                  <a14:hiddenLine xmlns:a14="http://schemas.microsoft.com/office/drawing/2010/main" xmlns="" w="9525">
                     <a:solidFill>
                       <a:srgbClr val="000000"/>
                     </a:solidFill>
@@ -11680,7 +11687,7 @@
               </a:ln>
               <a:extLst>
                 <a:ext uri="{91240B29-F687-4f45-9708-019B960494DF}">
-                  <a14:hiddenLine xmlns="" xmlns:a14="http://schemas.microsoft.com/office/drawing/2010/main" w="9525">
+                  <a14:hiddenLine xmlns:a14="http://schemas.microsoft.com/office/drawing/2010/main" xmlns="" w="9525">
                     <a:solidFill>
                       <a:srgbClr val="000000"/>
                     </a:solidFill>
@@ -11770,7 +11777,7 @@
               </a:ln>
               <a:extLst>
                 <a:ext uri="{91240B29-F687-4f45-9708-019B960494DF}">
-                  <a14:hiddenLine xmlns="" xmlns:a14="http://schemas.microsoft.com/office/drawing/2010/main" w="9525">
+                  <a14:hiddenLine xmlns:a14="http://schemas.microsoft.com/office/drawing/2010/main" xmlns="" w="9525">
                     <a:solidFill>
                       <a:srgbClr val="000000"/>
                     </a:solidFill>
@@ -11804,7 +11811,7 @@
               </a:ln>
               <a:extLst>
                 <a:ext uri="{91240B29-F687-4f45-9708-019B960494DF}">
-                  <a14:hiddenLine xmlns="" xmlns:a14="http://schemas.microsoft.com/office/drawing/2010/main" w="9525">
+                  <a14:hiddenLine xmlns:a14="http://schemas.microsoft.com/office/drawing/2010/main" xmlns="" w="9525">
                     <a:solidFill>
                       <a:srgbClr val="000000"/>
                     </a:solidFill>
@@ -11945,7 +11952,7 @@
             <a:fld id="{48A87A34-81AB-432B-8DAE-1953F412C126}" type="datetimeFigureOut">
               <a:rPr lang="en-US" dirty="0"/>
               <a:pPr/>
-              <a:t>5/10/2017</a:t>
+              <a:t>5/15/2017</a:t>
             </a:fld>
             <a:endParaRPr lang="en-US" dirty="0"/>
           </a:p>
@@ -12471,20 +12478,24 @@
           <a:lstStyle/>
           <a:p>
             <a:r>
+              <a:rPr lang="en-US" dirty="0" err="1"/>
+              <a:t>Sql</a:t>
+            </a:r>
+            <a:r>
               <a:rPr lang="en-US" dirty="0"/>
-              <a:t>XSS – Cross site Scripting –</a:t>
-            </a:r>
-          </a:p>
-        </p:txBody>
-      </p:sp>
-      <p:sp>
-        <p:nvSpPr>
-          <p:cNvPr id="3" name="Text Placeholder 2"/>
+              <a:t> injection – overview –  </a:t>
+            </a:r>
+          </a:p>
+        </p:txBody>
+      </p:sp>
+      <p:sp>
+        <p:nvSpPr>
+          <p:cNvPr id="3" name="Content Placeholder 2"/>
           <p:cNvSpPr>
             <a:spLocks noGrp="1"/>
           </p:cNvSpPr>
           <p:nvPr>
-            <p:ph type="body" idx="1"/>
+            <p:ph idx="1"/>
           </p:nvPr>
         </p:nvSpPr>
         <p:spPr/>
@@ -12492,14 +12503,57 @@
           <a:bodyPr/>
           <a:lstStyle/>
           <a:p>
-            <a:endParaRPr lang="en-US"/>
+            <a:r>
+              <a:rPr lang="en-US" dirty="0"/>
+              <a:t>A type of injection attack </a:t>
+            </a:r>
+          </a:p>
+          <a:p>
+            <a:r>
+              <a:rPr lang="en-US" dirty="0"/>
+              <a:t>A SQL injection attack is by “injection” of SQL query via input data from the client to the application. </a:t>
+            </a:r>
+          </a:p>
+          <a:p>
+            <a:r>
+              <a:rPr lang="en-US" dirty="0"/>
+              <a:t>When SQL succeed the followings could happen </a:t>
+            </a:r>
+          </a:p>
+          <a:p>
+            <a:pPr lvl="1"/>
+            <a:r>
+              <a:rPr lang="en-US" dirty="0"/>
+              <a:t>Read sensitive data </a:t>
+            </a:r>
+          </a:p>
+          <a:p>
+            <a:pPr lvl="1"/>
+            <a:r>
+              <a:rPr lang="en-US" dirty="0"/>
+              <a:t>Modify DB data</a:t>
+            </a:r>
+          </a:p>
+          <a:p>
+            <a:pPr lvl="1"/>
+            <a:r>
+              <a:rPr lang="en-US" dirty="0"/>
+              <a:t>Run administrative operation </a:t>
+            </a:r>
+          </a:p>
+          <a:p>
+            <a:pPr lvl="1"/>
+            <a:endParaRPr lang="en-US" dirty="0"/>
+          </a:p>
+          <a:p>
+            <a:endParaRPr lang="en-US" dirty="0"/>
           </a:p>
         </p:txBody>
       </p:sp>
     </p:spTree>
     <p:extLst>
       <p:ext uri="{BB962C8B-B14F-4D97-AF65-F5344CB8AC3E}">
-        <p14:creationId xmlns:p14="http://schemas.microsoft.com/office/powerpoint/2010/main" val="1891017623"/>
+        <p14:creationId xmlns:p14="http://schemas.microsoft.com/office/powerpoint/2010/main" val="3872882815"/>
       </p:ext>
     </p:extLst>
   </p:cSld>
@@ -12543,11 +12597,11 @@
           <a:p>
             <a:r>
               <a:rPr lang="en-US" dirty="0" err="1"/>
-              <a:t>xss</a:t>
+              <a:t>Sql</a:t>
             </a:r>
             <a:r>
               <a:rPr lang="en-US" dirty="0"/>
-              <a:t> – overview – </a:t>
+              <a:t> injection – Thread modeling – </a:t>
             </a:r>
           </a:p>
         </p:txBody>
@@ -12562,40 +12616,78 @@
             <p:ph idx="1"/>
           </p:nvPr>
         </p:nvSpPr>
-        <p:spPr/>
-        <p:txBody>
-          <a:bodyPr/>
+        <p:spPr>
+          <a:xfrm>
+            <a:off x="967409" y="2097088"/>
+            <a:ext cx="10336695" cy="4263955"/>
+          </a:xfrm>
+        </p:spPr>
+        <p:txBody>
+          <a:bodyPr>
+            <a:normAutofit lnSpcReduction="10000"/>
+          </a:bodyPr>
           <a:lstStyle/>
           <a:p>
             <a:r>
               <a:rPr lang="en-US" dirty="0"/>
-              <a:t>A type of injection attack</a:t>
+              <a:t>SQL Injection lets attackers to spoof identity, and temper data in database. </a:t>
             </a:r>
           </a:p>
           <a:p>
             <a:r>
               <a:rPr lang="en-US" dirty="0"/>
-              <a:t>Injects malicious script into benign and trusted website. </a:t>
-            </a:r>
-          </a:p>
-          <a:p>
+              <a:t>SQL Injection lets cause repudiation issues </a:t>
+            </a:r>
+          </a:p>
+          <a:p>
+            <a:pPr lvl="1"/>
             <a:r>
               <a:rPr lang="en-US" dirty="0"/>
-              <a:t>Occurs when an attacker users a web application to send malicious code </a:t>
-            </a:r>
-          </a:p>
-          <a:p>
+              <a:t>Voiding transaction </a:t>
+            </a:r>
+          </a:p>
+          <a:p>
+            <a:pPr lvl="1"/>
             <a:r>
               <a:rPr lang="en-US" dirty="0"/>
-              <a:t>Generally in the form of a browser side script to different end user.</a:t>
-            </a:r>
+              <a:t>Changing balance </a:t>
+            </a:r>
+          </a:p>
+          <a:p>
+            <a:r>
+              <a:rPr lang="en-US" dirty="0"/>
+              <a:t>SQL injection is common with PHP and ASP</a:t>
+            </a:r>
+          </a:p>
+          <a:p>
+            <a:pPr lvl="1"/>
+            <a:r>
+              <a:rPr lang="en-US" dirty="0"/>
+              <a:t>Because these older functional interfaces are widely used.</a:t>
+            </a:r>
+          </a:p>
+          <a:p>
+            <a:pPr lvl="1"/>
+            <a:r>
+              <a:rPr lang="en-US" dirty="0"/>
+              <a:t>Nature of programmatic interface available  </a:t>
+            </a:r>
+          </a:p>
+          <a:p>
+            <a:r>
+              <a:rPr lang="en-US" dirty="0"/>
+              <a:t>J2EE and ASP.NET application are less likely to have easily exploited SQL injection.</a:t>
+            </a:r>
+          </a:p>
+          <a:p>
+            <a:endParaRPr lang="en-US" dirty="0"/>
           </a:p>
         </p:txBody>
       </p:sp>
     </p:spTree>
     <p:extLst>
       <p:ext uri="{BB962C8B-B14F-4D97-AF65-F5344CB8AC3E}">
-        <p14:creationId xmlns:p14="http://schemas.microsoft.com/office/powerpoint/2010/main" val="3044677445"/>
+        <p14:creationId xmlns:p14="http://schemas.microsoft.com/office/powerpoint/2010/main" val="3821756116"/>
       </p:ext>
     </p:extLst>
   </p:cSld>
@@ -12639,1017 +12731,6 @@
           <a:p>
             <a:r>
               <a:rPr lang="en-US" dirty="0" err="1"/>
-              <a:t>xss</a:t>
-            </a:r>
-            <a:r>
-              <a:rPr lang="en-US" dirty="0"/>
-              <a:t> – thread modeling – </a:t>
-            </a:r>
-          </a:p>
-        </p:txBody>
-      </p:sp>
-      <p:sp>
-        <p:nvSpPr>
-          <p:cNvPr id="3" name="Content Placeholder 2"/>
-          <p:cNvSpPr>
-            <a:spLocks noGrp="1"/>
-          </p:cNvSpPr>
-          <p:nvPr>
-            <p:ph idx="1"/>
-          </p:nvPr>
-        </p:nvSpPr>
-        <p:spPr/>
-        <p:txBody>
-          <a:bodyPr/>
-          <a:lstStyle/>
-          <a:p>
-            <a:r>
-              <a:rPr lang="en-US" dirty="0"/>
-              <a:t>XSS lets attackers do the followings </a:t>
-            </a:r>
-          </a:p>
-          <a:p>
-            <a:pPr lvl="1"/>
-            <a:r>
-              <a:rPr lang="en-US" dirty="0"/>
-              <a:t>Identity Thrift (fraud) </a:t>
-            </a:r>
-          </a:p>
-          <a:p>
-            <a:pPr lvl="1"/>
-            <a:r>
-              <a:rPr lang="en-US" dirty="0"/>
-              <a:t>Redirect traffic by altering URL </a:t>
-            </a:r>
-          </a:p>
-          <a:p>
-            <a:pPr lvl="1"/>
-            <a:r>
-              <a:rPr lang="en-US" dirty="0"/>
-              <a:t>Session Hijacking </a:t>
-            </a:r>
-          </a:p>
-          <a:p>
-            <a:pPr lvl="1"/>
-            <a:r>
-              <a:rPr lang="en-US" dirty="0"/>
-              <a:t>Storing sensitive information in JavaScript variables </a:t>
-            </a:r>
-          </a:p>
-          <a:p>
-            <a:pPr lvl="1"/>
-            <a:endParaRPr lang="en-US" dirty="0"/>
-          </a:p>
-        </p:txBody>
-      </p:sp>
-    </p:spTree>
-    <p:extLst>
-      <p:ext uri="{BB962C8B-B14F-4D97-AF65-F5344CB8AC3E}">
-        <p14:creationId xmlns:p14="http://schemas.microsoft.com/office/powerpoint/2010/main" val="1001716980"/>
-      </p:ext>
-    </p:extLst>
-  </p:cSld>
-  <p:clrMapOvr>
-    <a:masterClrMapping/>
-  </p:clrMapOvr>
-</p:sld>
-</file>
-
-<file path=ppt/slides/slide13.xml><?xml version="1.0" encoding="utf-8"?>
-<p:sld xmlns:a="http://schemas.openxmlformats.org/drawingml/2006/main" xmlns:r="http://schemas.openxmlformats.org/officeDocument/2006/relationships" xmlns:p="http://schemas.openxmlformats.org/presentationml/2006/main">
-  <p:cSld>
-    <p:spTree>
-      <p:nvGrpSpPr>
-        <p:cNvPr id="1" name=""/>
-        <p:cNvGrpSpPr/>
-        <p:nvPr/>
-      </p:nvGrpSpPr>
-      <p:grpSpPr>
-        <a:xfrm>
-          <a:off x="0" y="0"/>
-          <a:ext cx="0" cy="0"/>
-          <a:chOff x="0" y="0"/>
-          <a:chExt cx="0" cy="0"/>
-        </a:xfrm>
-      </p:grpSpPr>
-      <p:sp>
-        <p:nvSpPr>
-          <p:cNvPr id="2" name="Title 1"/>
-          <p:cNvSpPr>
-            <a:spLocks noGrp="1"/>
-          </p:cNvSpPr>
-          <p:nvPr>
-            <p:ph type="title"/>
-          </p:nvPr>
-        </p:nvSpPr>
-        <p:spPr/>
-        <p:txBody>
-          <a:bodyPr/>
-          <a:lstStyle/>
-          <a:p>
-            <a:r>
-              <a:rPr lang="en-US" dirty="0" err="1"/>
-              <a:t>xss</a:t>
-            </a:r>
-            <a:r>
-              <a:rPr lang="en-US" dirty="0"/>
-              <a:t> – Prevention – </a:t>
-            </a:r>
-          </a:p>
-        </p:txBody>
-      </p:sp>
-      <p:sp>
-        <p:nvSpPr>
-          <p:cNvPr id="3" name="Content Placeholder 2"/>
-          <p:cNvSpPr>
-            <a:spLocks noGrp="1"/>
-          </p:cNvSpPr>
-          <p:nvPr>
-            <p:ph idx="1"/>
-          </p:nvPr>
-        </p:nvSpPr>
-        <p:spPr/>
-        <p:txBody>
-          <a:bodyPr/>
-          <a:lstStyle/>
-          <a:p>
-            <a:r>
-              <a:rPr lang="en-US" dirty="0"/>
-              <a:t>Never accepts to insert untrusted data except in allowed location </a:t>
-            </a:r>
-          </a:p>
-          <a:p>
-            <a:pPr lvl="1"/>
-            <a:r>
-              <a:rPr lang="en-US" dirty="0"/>
-              <a:t>Deny all – do not put untrusted data into your html document unless it is within one of the slot of defined in rule #1 </a:t>
-            </a:r>
-          </a:p>
-          <a:p>
-            <a:pPr lvl="1"/>
-            <a:r>
-              <a:rPr lang="en-US" sz="2800" dirty="0"/>
-              <a:t>Most importantly, never accept actual JavaScript code from an untrusted data and then run it.</a:t>
-            </a:r>
-          </a:p>
-        </p:txBody>
-      </p:sp>
-    </p:spTree>
-    <p:extLst>
-      <p:ext uri="{BB962C8B-B14F-4D97-AF65-F5344CB8AC3E}">
-        <p14:creationId xmlns:p14="http://schemas.microsoft.com/office/powerpoint/2010/main" val="3949596740"/>
-      </p:ext>
-    </p:extLst>
-  </p:cSld>
-  <p:clrMapOvr>
-    <a:masterClrMapping/>
-  </p:clrMapOvr>
-</p:sld>
-</file>
-
-<file path=ppt/slides/slide14.xml><?xml version="1.0" encoding="utf-8"?>
-<p:sld xmlns:a="http://schemas.openxmlformats.org/drawingml/2006/main" xmlns:r="http://schemas.openxmlformats.org/officeDocument/2006/relationships" xmlns:p="http://schemas.openxmlformats.org/presentationml/2006/main">
-  <p:cSld>
-    <p:spTree>
-      <p:nvGrpSpPr>
-        <p:cNvPr id="1" name=""/>
-        <p:cNvGrpSpPr/>
-        <p:nvPr/>
-      </p:nvGrpSpPr>
-      <p:grpSpPr>
-        <a:xfrm>
-          <a:off x="0" y="0"/>
-          <a:ext cx="0" cy="0"/>
-          <a:chOff x="0" y="0"/>
-          <a:chExt cx="0" cy="0"/>
-        </a:xfrm>
-      </p:grpSpPr>
-      <p:sp>
-        <p:nvSpPr>
-          <p:cNvPr id="2" name="Title 1"/>
-          <p:cNvSpPr>
-            <a:spLocks noGrp="1"/>
-          </p:cNvSpPr>
-          <p:nvPr>
-            <p:ph type="title"/>
-          </p:nvPr>
-        </p:nvSpPr>
-        <p:spPr/>
-        <p:txBody>
-          <a:bodyPr/>
-          <a:lstStyle/>
-          <a:p>
-            <a:r>
-              <a:rPr lang="en-US" dirty="0" err="1"/>
-              <a:t>xss</a:t>
-            </a:r>
-            <a:r>
-              <a:rPr lang="en-US" dirty="0"/>
-              <a:t> –demonstration– </a:t>
-            </a:r>
-          </a:p>
-        </p:txBody>
-      </p:sp>
-      <p:pic>
-        <p:nvPicPr>
-          <p:cNvPr id="4" name="Content Placeholder 3"/>
-          <p:cNvPicPr>
-            <a:picLocks noGrp="1" noChangeAspect="1"/>
-          </p:cNvPicPr>
-          <p:nvPr>
-            <p:ph idx="1"/>
-          </p:nvPr>
-        </p:nvPicPr>
-        <p:blipFill>
-          <a:blip r:embed="rId2"/>
-          <a:stretch>
-            <a:fillRect/>
-          </a:stretch>
-        </p:blipFill>
-        <p:spPr>
-          <a:xfrm>
-            <a:off x="1190275" y="2249488"/>
-            <a:ext cx="9808275" cy="3541712"/>
-          </a:xfrm>
-          <a:prstGeom prst="rect">
-            <a:avLst/>
-          </a:prstGeom>
-        </p:spPr>
-      </p:pic>
-    </p:spTree>
-    <p:extLst>
-      <p:ext uri="{BB962C8B-B14F-4D97-AF65-F5344CB8AC3E}">
-        <p14:creationId xmlns:p14="http://schemas.microsoft.com/office/powerpoint/2010/main" val="530636723"/>
-      </p:ext>
-    </p:extLst>
-  </p:cSld>
-  <p:clrMapOvr>
-    <a:masterClrMapping/>
-  </p:clrMapOvr>
-</p:sld>
-</file>
-
-<file path=ppt/slides/slide15.xml><?xml version="1.0" encoding="utf-8"?>
-<p:sld xmlns:a="http://schemas.openxmlformats.org/drawingml/2006/main" xmlns:r="http://schemas.openxmlformats.org/officeDocument/2006/relationships" xmlns:p="http://schemas.openxmlformats.org/presentationml/2006/main">
-  <p:cSld>
-    <p:spTree>
-      <p:nvGrpSpPr>
-        <p:cNvPr id="1" name=""/>
-        <p:cNvGrpSpPr/>
-        <p:nvPr/>
-      </p:nvGrpSpPr>
-      <p:grpSpPr>
-        <a:xfrm>
-          <a:off x="0" y="0"/>
-          <a:ext cx="0" cy="0"/>
-          <a:chOff x="0" y="0"/>
-          <a:chExt cx="0" cy="0"/>
-        </a:xfrm>
-      </p:grpSpPr>
-      <p:sp>
-        <p:nvSpPr>
-          <p:cNvPr id="2" name="Title 1"/>
-          <p:cNvSpPr>
-            <a:spLocks noGrp="1"/>
-          </p:cNvSpPr>
-          <p:nvPr>
-            <p:ph type="title"/>
-          </p:nvPr>
-        </p:nvSpPr>
-        <p:spPr/>
-        <p:txBody>
-          <a:bodyPr/>
-          <a:lstStyle/>
-          <a:p>
-            <a:r>
-              <a:rPr lang="en-US" dirty="0"/>
-              <a:t>Project source code</a:t>
-            </a:r>
-          </a:p>
-        </p:txBody>
-      </p:sp>
-      <p:sp>
-        <p:nvSpPr>
-          <p:cNvPr id="3" name="Text Placeholder 2"/>
-          <p:cNvSpPr>
-            <a:spLocks noGrp="1"/>
-          </p:cNvSpPr>
-          <p:nvPr>
-            <p:ph type="body" idx="1"/>
-          </p:nvPr>
-        </p:nvSpPr>
-        <p:spPr/>
-        <p:txBody>
-          <a:bodyPr/>
-          <a:lstStyle/>
-          <a:p>
-            <a:endParaRPr lang="en-US" dirty="0"/>
-          </a:p>
-        </p:txBody>
-      </p:sp>
-    </p:spTree>
-    <p:extLst>
-      <p:ext uri="{BB962C8B-B14F-4D97-AF65-F5344CB8AC3E}">
-        <p14:creationId xmlns:p14="http://schemas.microsoft.com/office/powerpoint/2010/main" val="2561987900"/>
-      </p:ext>
-    </p:extLst>
-  </p:cSld>
-  <p:clrMapOvr>
-    <a:masterClrMapping/>
-  </p:clrMapOvr>
-</p:sld>
-</file>
-
-<file path=ppt/slides/slide16.xml><?xml version="1.0" encoding="utf-8"?>
-<p:sld xmlns:a="http://schemas.openxmlformats.org/drawingml/2006/main" xmlns:r="http://schemas.openxmlformats.org/officeDocument/2006/relationships" xmlns:p="http://schemas.openxmlformats.org/presentationml/2006/main">
-  <p:cSld>
-    <p:spTree>
-      <p:nvGrpSpPr>
-        <p:cNvPr id="1" name=""/>
-        <p:cNvGrpSpPr/>
-        <p:nvPr/>
-      </p:nvGrpSpPr>
-      <p:grpSpPr>
-        <a:xfrm>
-          <a:off x="0" y="0"/>
-          <a:ext cx="0" cy="0"/>
-          <a:chOff x="0" y="0"/>
-          <a:chExt cx="0" cy="0"/>
-        </a:xfrm>
-      </p:grpSpPr>
-      <p:sp>
-        <p:nvSpPr>
-          <p:cNvPr id="2" name="Title 1"/>
-          <p:cNvSpPr>
-            <a:spLocks noGrp="1"/>
-          </p:cNvSpPr>
-          <p:nvPr>
-            <p:ph type="title"/>
-          </p:nvPr>
-        </p:nvSpPr>
-        <p:spPr/>
-        <p:txBody>
-          <a:bodyPr/>
-          <a:lstStyle/>
-          <a:p>
-            <a:r>
-              <a:rPr lang="en-US" dirty="0"/>
-              <a:t>Project source code</a:t>
-            </a:r>
-          </a:p>
-        </p:txBody>
-      </p:sp>
-      <p:sp>
-        <p:nvSpPr>
-          <p:cNvPr id="3" name="Content Placeholder 2"/>
-          <p:cNvSpPr>
-            <a:spLocks noGrp="1"/>
-          </p:cNvSpPr>
-          <p:nvPr>
-            <p:ph idx="1"/>
-          </p:nvPr>
-        </p:nvSpPr>
-        <p:spPr/>
-        <p:txBody>
-          <a:bodyPr/>
-          <a:lstStyle/>
-          <a:p>
-            <a:r>
-              <a:rPr lang="en-US" dirty="0">
-                <a:hlinkClick r:id="rId2"/>
-              </a:rPr>
-              <a:t>https://github.com/28kayak/CS166_Final_Project.git</a:t>
-            </a:r>
-            <a:r>
-              <a:rPr lang="en-US" dirty="0"/>
-              <a:t> </a:t>
-            </a:r>
-          </a:p>
-          <a:p>
-            <a:endParaRPr lang="en-US" dirty="0"/>
-          </a:p>
-        </p:txBody>
-      </p:sp>
-    </p:spTree>
-    <p:extLst>
-      <p:ext uri="{BB962C8B-B14F-4D97-AF65-F5344CB8AC3E}">
-        <p14:creationId xmlns:p14="http://schemas.microsoft.com/office/powerpoint/2010/main" val="2974192425"/>
-      </p:ext>
-    </p:extLst>
-  </p:cSld>
-  <p:clrMapOvr>
-    <a:masterClrMapping/>
-  </p:clrMapOvr>
-</p:sld>
-</file>
-
-<file path=ppt/slides/slide17.xml><?xml version="1.0" encoding="utf-8"?>
-<p:sld xmlns:a="http://schemas.openxmlformats.org/drawingml/2006/main" xmlns:r="http://schemas.openxmlformats.org/officeDocument/2006/relationships" xmlns:p="http://schemas.openxmlformats.org/presentationml/2006/main">
-  <p:cSld>
-    <p:spTree>
-      <p:nvGrpSpPr>
-        <p:cNvPr id="1" name=""/>
-        <p:cNvGrpSpPr/>
-        <p:nvPr/>
-      </p:nvGrpSpPr>
-      <p:grpSpPr>
-        <a:xfrm>
-          <a:off x="0" y="0"/>
-          <a:ext cx="0" cy="0"/>
-          <a:chOff x="0" y="0"/>
-          <a:chExt cx="0" cy="0"/>
-        </a:xfrm>
-      </p:grpSpPr>
-      <p:sp>
-        <p:nvSpPr>
-          <p:cNvPr id="2" name="Title 1"/>
-          <p:cNvSpPr>
-            <a:spLocks noGrp="1"/>
-          </p:cNvSpPr>
-          <p:nvPr>
-            <p:ph type="title"/>
-          </p:nvPr>
-        </p:nvSpPr>
-        <p:spPr/>
-        <p:txBody>
-          <a:bodyPr/>
-          <a:lstStyle/>
-          <a:p>
-            <a:r>
-              <a:rPr lang="en-US" dirty="0"/>
-              <a:t>reference</a:t>
-            </a:r>
-          </a:p>
-        </p:txBody>
-      </p:sp>
-      <p:sp>
-        <p:nvSpPr>
-          <p:cNvPr id="3" name="Text Placeholder 2"/>
-          <p:cNvSpPr>
-            <a:spLocks noGrp="1"/>
-          </p:cNvSpPr>
-          <p:nvPr>
-            <p:ph type="body" idx="1"/>
-          </p:nvPr>
-        </p:nvSpPr>
-        <p:spPr/>
-        <p:txBody>
-          <a:bodyPr/>
-          <a:lstStyle/>
-          <a:p>
-            <a:endParaRPr lang="en-US"/>
-          </a:p>
-        </p:txBody>
-      </p:sp>
-    </p:spTree>
-    <p:extLst>
-      <p:ext uri="{BB962C8B-B14F-4D97-AF65-F5344CB8AC3E}">
-        <p14:creationId xmlns:p14="http://schemas.microsoft.com/office/powerpoint/2010/main" val="1020888119"/>
-      </p:ext>
-    </p:extLst>
-  </p:cSld>
-  <p:clrMapOvr>
-    <a:masterClrMapping/>
-  </p:clrMapOvr>
-</p:sld>
-</file>
-
-<file path=ppt/slides/slide18.xml><?xml version="1.0" encoding="utf-8"?>
-<p:sld xmlns:a="http://schemas.openxmlformats.org/drawingml/2006/main" xmlns:r="http://schemas.openxmlformats.org/officeDocument/2006/relationships" xmlns:p="http://schemas.openxmlformats.org/presentationml/2006/main">
-  <p:cSld>
-    <p:spTree>
-      <p:nvGrpSpPr>
-        <p:cNvPr id="1" name=""/>
-        <p:cNvGrpSpPr/>
-        <p:nvPr/>
-      </p:nvGrpSpPr>
-      <p:grpSpPr>
-        <a:xfrm>
-          <a:off x="0" y="0"/>
-          <a:ext cx="0" cy="0"/>
-          <a:chOff x="0" y="0"/>
-          <a:chExt cx="0" cy="0"/>
-        </a:xfrm>
-      </p:grpSpPr>
-      <p:sp>
-        <p:nvSpPr>
-          <p:cNvPr id="2" name="Title 1"/>
-          <p:cNvSpPr>
-            <a:spLocks noGrp="1"/>
-          </p:cNvSpPr>
-          <p:nvPr>
-            <p:ph type="title"/>
-          </p:nvPr>
-        </p:nvSpPr>
-        <p:spPr/>
-        <p:txBody>
-          <a:bodyPr/>
-          <a:lstStyle/>
-          <a:p>
-            <a:endParaRPr lang="en-US"/>
-          </a:p>
-        </p:txBody>
-      </p:sp>
-      <p:sp>
-        <p:nvSpPr>
-          <p:cNvPr id="3" name="Content Placeholder 2"/>
-          <p:cNvSpPr>
-            <a:spLocks noGrp="1"/>
-          </p:cNvSpPr>
-          <p:nvPr>
-            <p:ph idx="1"/>
-          </p:nvPr>
-        </p:nvSpPr>
-        <p:spPr/>
-        <p:txBody>
-          <a:bodyPr/>
-          <a:lstStyle/>
-          <a:p>
-            <a:r>
-              <a:rPr lang="en-US" dirty="0"/>
-              <a:t>https://www.owasp.org/index.php/SQL_Injection</a:t>
-            </a:r>
-          </a:p>
-        </p:txBody>
-      </p:sp>
-    </p:spTree>
-    <p:extLst>
-      <p:ext uri="{BB962C8B-B14F-4D97-AF65-F5344CB8AC3E}">
-        <p14:creationId xmlns:p14="http://schemas.microsoft.com/office/powerpoint/2010/main" val="4152786892"/>
-      </p:ext>
-    </p:extLst>
-  </p:cSld>
-  <p:clrMapOvr>
-    <a:masterClrMapping/>
-  </p:clrMapOvr>
-</p:sld>
-</file>
-
-<file path=ppt/slides/slide2.xml><?xml version="1.0" encoding="utf-8"?>
-<p:sld xmlns:a="http://schemas.openxmlformats.org/drawingml/2006/main" xmlns:r="http://schemas.openxmlformats.org/officeDocument/2006/relationships" xmlns:p="http://schemas.openxmlformats.org/presentationml/2006/main">
-  <p:cSld>
-    <p:spTree>
-      <p:nvGrpSpPr>
-        <p:cNvPr id="1" name=""/>
-        <p:cNvGrpSpPr/>
-        <p:nvPr/>
-      </p:nvGrpSpPr>
-      <p:grpSpPr>
-        <a:xfrm>
-          <a:off x="0" y="0"/>
-          <a:ext cx="0" cy="0"/>
-          <a:chOff x="0" y="0"/>
-          <a:chExt cx="0" cy="0"/>
-        </a:xfrm>
-      </p:grpSpPr>
-      <p:sp>
-        <p:nvSpPr>
-          <p:cNvPr id="2" name="Title 1"/>
-          <p:cNvSpPr>
-            <a:spLocks noGrp="1"/>
-          </p:cNvSpPr>
-          <p:nvPr>
-            <p:ph type="title"/>
-          </p:nvPr>
-        </p:nvSpPr>
-        <p:spPr/>
-        <p:txBody>
-          <a:bodyPr/>
-          <a:lstStyle/>
-          <a:p>
-            <a:r>
-              <a:rPr lang="en-US" dirty="0"/>
-              <a:t>content</a:t>
-            </a:r>
-          </a:p>
-        </p:txBody>
-      </p:sp>
-      <p:sp>
-        <p:nvSpPr>
-          <p:cNvPr id="3" name="Content Placeholder 2"/>
-          <p:cNvSpPr>
-            <a:spLocks noGrp="1"/>
-          </p:cNvSpPr>
-          <p:nvPr>
-            <p:ph idx="1"/>
-          </p:nvPr>
-        </p:nvSpPr>
-        <p:spPr/>
-        <p:txBody>
-          <a:bodyPr/>
-          <a:lstStyle/>
-          <a:p>
-            <a:r>
-              <a:rPr lang="en-US" dirty="0"/>
-              <a:t>SQL Injection </a:t>
-            </a:r>
-          </a:p>
-          <a:p>
-            <a:r>
-              <a:rPr lang="en-US" dirty="0"/>
-              <a:t>XSS (Cross Site Scripting)</a:t>
-            </a:r>
-          </a:p>
-          <a:p>
-            <a:r>
-              <a:rPr lang="en-US" dirty="0"/>
-              <a:t>Cookie Stealing</a:t>
-            </a:r>
-          </a:p>
-          <a:p>
-            <a:endParaRPr lang="en-US" dirty="0"/>
-          </a:p>
-          <a:p>
-            <a:r>
-              <a:rPr lang="en-US" dirty="0"/>
-              <a:t>Trojan House </a:t>
-            </a:r>
-          </a:p>
-          <a:p>
-            <a:r>
-              <a:rPr lang="en-US" dirty="0"/>
-              <a:t>APK stealing </a:t>
-            </a:r>
-          </a:p>
-          <a:p>
-            <a:endParaRPr lang="en-US" dirty="0"/>
-          </a:p>
-        </p:txBody>
-      </p:sp>
-    </p:spTree>
-    <p:extLst>
-      <p:ext uri="{BB962C8B-B14F-4D97-AF65-F5344CB8AC3E}">
-        <p14:creationId xmlns:p14="http://schemas.microsoft.com/office/powerpoint/2010/main" val="2600956234"/>
-      </p:ext>
-    </p:extLst>
-  </p:cSld>
-  <p:clrMapOvr>
-    <a:masterClrMapping/>
-  </p:clrMapOvr>
-</p:sld>
-</file>
-
-<file path=ppt/slides/slide3.xml><?xml version="1.0" encoding="utf-8"?>
-<p:sld xmlns:a="http://schemas.openxmlformats.org/drawingml/2006/main" xmlns:r="http://schemas.openxmlformats.org/officeDocument/2006/relationships" xmlns:p="http://schemas.openxmlformats.org/presentationml/2006/main">
-  <p:cSld>
-    <p:spTree>
-      <p:nvGrpSpPr>
-        <p:cNvPr id="1" name=""/>
-        <p:cNvGrpSpPr/>
-        <p:nvPr/>
-      </p:nvGrpSpPr>
-      <p:grpSpPr>
-        <a:xfrm>
-          <a:off x="0" y="0"/>
-          <a:ext cx="0" cy="0"/>
-          <a:chOff x="0" y="0"/>
-          <a:chExt cx="0" cy="0"/>
-        </a:xfrm>
-      </p:grpSpPr>
-      <p:sp>
-        <p:nvSpPr>
-          <p:cNvPr id="2" name="Title 1"/>
-          <p:cNvSpPr>
-            <a:spLocks noGrp="1"/>
-          </p:cNvSpPr>
-          <p:nvPr>
-            <p:ph type="title"/>
-          </p:nvPr>
-        </p:nvSpPr>
-        <p:spPr/>
-        <p:txBody>
-          <a:bodyPr/>
-          <a:lstStyle/>
-          <a:p>
-            <a:r>
-              <a:rPr lang="en-US" dirty="0" err="1"/>
-              <a:t>Sql</a:t>
-            </a:r>
-            <a:r>
-              <a:rPr lang="en-US" dirty="0"/>
-              <a:t> injection</a:t>
-            </a:r>
-          </a:p>
-        </p:txBody>
-      </p:sp>
-      <p:sp>
-        <p:nvSpPr>
-          <p:cNvPr id="3" name="Text Placeholder 2"/>
-          <p:cNvSpPr>
-            <a:spLocks noGrp="1"/>
-          </p:cNvSpPr>
-          <p:nvPr>
-            <p:ph type="body" idx="1"/>
-          </p:nvPr>
-        </p:nvSpPr>
-        <p:spPr/>
-        <p:txBody>
-          <a:bodyPr/>
-          <a:lstStyle/>
-          <a:p>
-            <a:endParaRPr lang="en-US" dirty="0"/>
-          </a:p>
-        </p:txBody>
-      </p:sp>
-    </p:spTree>
-    <p:extLst>
-      <p:ext uri="{BB962C8B-B14F-4D97-AF65-F5344CB8AC3E}">
-        <p14:creationId xmlns:p14="http://schemas.microsoft.com/office/powerpoint/2010/main" val="1542226786"/>
-      </p:ext>
-    </p:extLst>
-  </p:cSld>
-  <p:clrMapOvr>
-    <a:masterClrMapping/>
-  </p:clrMapOvr>
-</p:sld>
-</file>
-
-<file path=ppt/slides/slide4.xml><?xml version="1.0" encoding="utf-8"?>
-<p:sld xmlns:a="http://schemas.openxmlformats.org/drawingml/2006/main" xmlns:r="http://schemas.openxmlformats.org/officeDocument/2006/relationships" xmlns:p="http://schemas.openxmlformats.org/presentationml/2006/main">
-  <p:cSld>
-    <p:spTree>
-      <p:nvGrpSpPr>
-        <p:cNvPr id="1" name=""/>
-        <p:cNvGrpSpPr/>
-        <p:nvPr/>
-      </p:nvGrpSpPr>
-      <p:grpSpPr>
-        <a:xfrm>
-          <a:off x="0" y="0"/>
-          <a:ext cx="0" cy="0"/>
-          <a:chOff x="0" y="0"/>
-          <a:chExt cx="0" cy="0"/>
-        </a:xfrm>
-      </p:grpSpPr>
-      <p:sp>
-        <p:nvSpPr>
-          <p:cNvPr id="2" name="Title 1"/>
-          <p:cNvSpPr>
-            <a:spLocks noGrp="1"/>
-          </p:cNvSpPr>
-          <p:nvPr>
-            <p:ph type="title"/>
-          </p:nvPr>
-        </p:nvSpPr>
-        <p:spPr/>
-        <p:txBody>
-          <a:bodyPr/>
-          <a:lstStyle/>
-          <a:p>
-            <a:r>
-              <a:rPr lang="en-US" dirty="0" err="1"/>
-              <a:t>Sql</a:t>
-            </a:r>
-            <a:r>
-              <a:rPr lang="en-US" dirty="0"/>
-              <a:t> injection – overview –  </a:t>
-            </a:r>
-          </a:p>
-        </p:txBody>
-      </p:sp>
-      <p:sp>
-        <p:nvSpPr>
-          <p:cNvPr id="3" name="Content Placeholder 2"/>
-          <p:cNvSpPr>
-            <a:spLocks noGrp="1"/>
-          </p:cNvSpPr>
-          <p:nvPr>
-            <p:ph idx="1"/>
-          </p:nvPr>
-        </p:nvSpPr>
-        <p:spPr/>
-        <p:txBody>
-          <a:bodyPr/>
-          <a:lstStyle/>
-          <a:p>
-            <a:r>
-              <a:rPr lang="en-US" dirty="0"/>
-              <a:t>A type of injection attack </a:t>
-            </a:r>
-          </a:p>
-          <a:p>
-            <a:r>
-              <a:rPr lang="en-US" dirty="0"/>
-              <a:t>A SQL injection attack is by “injection” of SQL query via input data from the client to the application. </a:t>
-            </a:r>
-          </a:p>
-          <a:p>
-            <a:r>
-              <a:rPr lang="en-US" dirty="0"/>
-              <a:t>When SQL succeed the followings could happen </a:t>
-            </a:r>
-          </a:p>
-          <a:p>
-            <a:pPr lvl="1"/>
-            <a:r>
-              <a:rPr lang="en-US" dirty="0"/>
-              <a:t>Read sensitive data </a:t>
-            </a:r>
-          </a:p>
-          <a:p>
-            <a:pPr lvl="1"/>
-            <a:r>
-              <a:rPr lang="en-US" dirty="0"/>
-              <a:t>Modify DB data</a:t>
-            </a:r>
-          </a:p>
-          <a:p>
-            <a:pPr lvl="1"/>
-            <a:r>
-              <a:rPr lang="en-US" dirty="0"/>
-              <a:t>Run administrative operation </a:t>
-            </a:r>
-          </a:p>
-          <a:p>
-            <a:pPr lvl="1"/>
-            <a:endParaRPr lang="en-US" dirty="0"/>
-          </a:p>
-          <a:p>
-            <a:endParaRPr lang="en-US" dirty="0"/>
-          </a:p>
-        </p:txBody>
-      </p:sp>
-    </p:spTree>
-    <p:extLst>
-      <p:ext uri="{BB962C8B-B14F-4D97-AF65-F5344CB8AC3E}">
-        <p14:creationId xmlns:p14="http://schemas.microsoft.com/office/powerpoint/2010/main" val="3872882815"/>
-      </p:ext>
-    </p:extLst>
-  </p:cSld>
-  <p:clrMapOvr>
-    <a:masterClrMapping/>
-  </p:clrMapOvr>
-</p:sld>
-</file>
-
-<file path=ppt/slides/slide5.xml><?xml version="1.0" encoding="utf-8"?>
-<p:sld xmlns:a="http://schemas.openxmlformats.org/drawingml/2006/main" xmlns:r="http://schemas.openxmlformats.org/officeDocument/2006/relationships" xmlns:p="http://schemas.openxmlformats.org/presentationml/2006/main">
-  <p:cSld>
-    <p:spTree>
-      <p:nvGrpSpPr>
-        <p:cNvPr id="1" name=""/>
-        <p:cNvGrpSpPr/>
-        <p:nvPr/>
-      </p:nvGrpSpPr>
-      <p:grpSpPr>
-        <a:xfrm>
-          <a:off x="0" y="0"/>
-          <a:ext cx="0" cy="0"/>
-          <a:chOff x="0" y="0"/>
-          <a:chExt cx="0" cy="0"/>
-        </a:xfrm>
-      </p:grpSpPr>
-      <p:sp>
-        <p:nvSpPr>
-          <p:cNvPr id="2" name="Title 1"/>
-          <p:cNvSpPr>
-            <a:spLocks noGrp="1"/>
-          </p:cNvSpPr>
-          <p:nvPr>
-            <p:ph type="title"/>
-          </p:nvPr>
-        </p:nvSpPr>
-        <p:spPr/>
-        <p:txBody>
-          <a:bodyPr/>
-          <a:lstStyle/>
-          <a:p>
-            <a:r>
-              <a:rPr lang="en-US" dirty="0" err="1"/>
-              <a:t>Sql</a:t>
-            </a:r>
-            <a:r>
-              <a:rPr lang="en-US" dirty="0"/>
-              <a:t> injection – Thread modeling – </a:t>
-            </a:r>
-          </a:p>
-        </p:txBody>
-      </p:sp>
-      <p:sp>
-        <p:nvSpPr>
-          <p:cNvPr id="3" name="Content Placeholder 2"/>
-          <p:cNvSpPr>
-            <a:spLocks noGrp="1"/>
-          </p:cNvSpPr>
-          <p:nvPr>
-            <p:ph idx="1"/>
-          </p:nvPr>
-        </p:nvSpPr>
-        <p:spPr>
-          <a:xfrm>
-            <a:off x="967409" y="2097088"/>
-            <a:ext cx="10336695" cy="4263955"/>
-          </a:xfrm>
-        </p:spPr>
-        <p:txBody>
-          <a:bodyPr>
-            <a:normAutofit lnSpcReduction="10000"/>
-          </a:bodyPr>
-          <a:lstStyle/>
-          <a:p>
-            <a:r>
-              <a:rPr lang="en-US" dirty="0"/>
-              <a:t>SQL Injection lets attackers to spoof identity, and temper data in database. </a:t>
-            </a:r>
-          </a:p>
-          <a:p>
-            <a:r>
-              <a:rPr lang="en-US" dirty="0"/>
-              <a:t>SQL Injection lets cause repudiation issues </a:t>
-            </a:r>
-          </a:p>
-          <a:p>
-            <a:pPr lvl="1"/>
-            <a:r>
-              <a:rPr lang="en-US" dirty="0"/>
-              <a:t>Voiding transaction </a:t>
-            </a:r>
-          </a:p>
-          <a:p>
-            <a:pPr lvl="1"/>
-            <a:r>
-              <a:rPr lang="en-US" dirty="0"/>
-              <a:t>Changing balance </a:t>
-            </a:r>
-          </a:p>
-          <a:p>
-            <a:r>
-              <a:rPr lang="en-US" dirty="0"/>
-              <a:t>SQL injection is common with PHP and ASP</a:t>
-            </a:r>
-          </a:p>
-          <a:p>
-            <a:pPr lvl="1"/>
-            <a:r>
-              <a:rPr lang="en-US" dirty="0"/>
-              <a:t>Because these older functional interfaces are widely used.</a:t>
-            </a:r>
-          </a:p>
-          <a:p>
-            <a:pPr lvl="1"/>
-            <a:r>
-              <a:rPr lang="en-US" dirty="0"/>
-              <a:t>Nature of programmatic interface available  </a:t>
-            </a:r>
-          </a:p>
-          <a:p>
-            <a:r>
-              <a:rPr lang="en-US" dirty="0"/>
-              <a:t>J2EE and ASP.NET application are less likely to have easily exploited SQL injection.</a:t>
-            </a:r>
-          </a:p>
-          <a:p>
-            <a:endParaRPr lang="en-US" dirty="0"/>
-          </a:p>
-        </p:txBody>
-      </p:sp>
-    </p:spTree>
-    <p:extLst>
-      <p:ext uri="{BB962C8B-B14F-4D97-AF65-F5344CB8AC3E}">
-        <p14:creationId xmlns:p14="http://schemas.microsoft.com/office/powerpoint/2010/main" val="3821756116"/>
-      </p:ext>
-    </p:extLst>
-  </p:cSld>
-  <p:clrMapOvr>
-    <a:masterClrMapping/>
-  </p:clrMapOvr>
-</p:sld>
-</file>
-
-<file path=ppt/slides/slide6.xml><?xml version="1.0" encoding="utf-8"?>
-<p:sld xmlns:a="http://schemas.openxmlformats.org/drawingml/2006/main" xmlns:r="http://schemas.openxmlformats.org/officeDocument/2006/relationships" xmlns:p="http://schemas.openxmlformats.org/presentationml/2006/main">
-  <p:cSld>
-    <p:spTree>
-      <p:nvGrpSpPr>
-        <p:cNvPr id="1" name=""/>
-        <p:cNvGrpSpPr/>
-        <p:nvPr/>
-      </p:nvGrpSpPr>
-      <p:grpSpPr>
-        <a:xfrm>
-          <a:off x="0" y="0"/>
-          <a:ext cx="0" cy="0"/>
-          <a:chOff x="0" y="0"/>
-          <a:chExt cx="0" cy="0"/>
-        </a:xfrm>
-      </p:grpSpPr>
-      <p:sp>
-        <p:nvSpPr>
-          <p:cNvPr id="2" name="Title 1"/>
-          <p:cNvSpPr>
-            <a:spLocks noGrp="1"/>
-          </p:cNvSpPr>
-          <p:nvPr>
-            <p:ph type="title"/>
-          </p:nvPr>
-        </p:nvSpPr>
-        <p:spPr/>
-        <p:txBody>
-          <a:bodyPr/>
-          <a:lstStyle/>
-          <a:p>
-            <a:r>
-              <a:rPr lang="en-US" dirty="0" err="1"/>
               <a:t>Sql</a:t>
             </a:r>
             <a:r>
@@ -13737,7 +12818,7 @@
 </p:sld>
 </file>
 
-<file path=ppt/slides/slide7.xml><?xml version="1.0" encoding="utf-8"?>
+<file path=ppt/slides/slide13.xml><?xml version="1.0" encoding="utf-8"?>
 <p:sld xmlns:a="http://schemas.openxmlformats.org/drawingml/2006/main" xmlns:r="http://schemas.openxmlformats.org/officeDocument/2006/relationships" xmlns:p="http://schemas.openxmlformats.org/presentationml/2006/main">
   <p:cSld>
     <p:spTree>
@@ -14109,6 +13190,2165 @@
 </p:sld>
 </file>
 
+<file path=ppt/slides/slide14.xml><?xml version="1.0" encoding="utf-8"?>
+<p:sld xmlns:a="http://schemas.openxmlformats.org/drawingml/2006/main" xmlns:r="http://schemas.openxmlformats.org/officeDocument/2006/relationships" xmlns:p="http://schemas.openxmlformats.org/presentationml/2006/main">
+  <p:cSld>
+    <p:spTree>
+      <p:nvGrpSpPr>
+        <p:cNvPr id="1" name=""/>
+        <p:cNvGrpSpPr/>
+        <p:nvPr/>
+      </p:nvGrpSpPr>
+      <p:grpSpPr>
+        <a:xfrm>
+          <a:off x="0" y="0"/>
+          <a:ext cx="0" cy="0"/>
+          <a:chOff x="0" y="0"/>
+          <a:chExt cx="0" cy="0"/>
+        </a:xfrm>
+      </p:grpSpPr>
+      <p:sp>
+        <p:nvSpPr>
+          <p:cNvPr id="2" name="Title 1"/>
+          <p:cNvSpPr>
+            <a:spLocks noGrp="1"/>
+          </p:cNvSpPr>
+          <p:nvPr>
+            <p:ph type="title"/>
+          </p:nvPr>
+        </p:nvSpPr>
+        <p:spPr/>
+        <p:txBody>
+          <a:bodyPr/>
+          <a:lstStyle/>
+          <a:p>
+            <a:r>
+              <a:rPr lang="en-US" dirty="0" err="1"/>
+              <a:t>Sql</a:t>
+            </a:r>
+            <a:r>
+              <a:rPr lang="en-US" dirty="0"/>
+              <a:t> injection – Prevention – </a:t>
+            </a:r>
+          </a:p>
+        </p:txBody>
+      </p:sp>
+      <p:sp>
+        <p:nvSpPr>
+          <p:cNvPr id="3" name="Content Placeholder 2"/>
+          <p:cNvSpPr>
+            <a:spLocks noGrp="1"/>
+          </p:cNvSpPr>
+          <p:nvPr>
+            <p:ph idx="1"/>
+          </p:nvPr>
+        </p:nvSpPr>
+        <p:spPr/>
+        <p:txBody>
+          <a:bodyPr/>
+          <a:lstStyle/>
+          <a:p>
+            <a:pPr marL="514350" indent="-514350">
+              <a:buFont typeface="+mj-lt"/>
+              <a:buAutoNum type="romanUcPeriod" startAt="2"/>
+            </a:pPr>
+            <a:r>
+              <a:rPr lang="en-US" dirty="0"/>
+              <a:t>Use Stored Procedure </a:t>
+            </a:r>
+          </a:p>
+          <a:p>
+            <a:pPr marL="971550" lvl="1" indent="-514350">
+              <a:buFont typeface="+mj-lt"/>
+              <a:buAutoNum type="romanUcPeriod"/>
+            </a:pPr>
+            <a:r>
+              <a:rPr lang="en-US" dirty="0"/>
+              <a:t>Not always safe from SQL Injection</a:t>
+            </a:r>
+          </a:p>
+          <a:p>
+            <a:pPr marL="971550" lvl="1" indent="-514350">
+              <a:buFont typeface="+mj-lt"/>
+              <a:buAutoNum type="romanUcPeriod"/>
+            </a:pPr>
+            <a:r>
+              <a:rPr lang="en-US" dirty="0"/>
+              <a:t>Certain Stored Procedures have the similar effect as use of parameterized query</a:t>
+            </a:r>
+          </a:p>
+          <a:p>
+            <a:pPr marL="971550" lvl="1" indent="-514350">
+              <a:buFont typeface="+mj-lt"/>
+              <a:buAutoNum type="romanUcPeriod"/>
+            </a:pPr>
+            <a:r>
+              <a:rPr lang="en-US" dirty="0"/>
+              <a:t>It requires to build SQL query with parameters that are automatically parametrized unless the developer does something out of norm. </a:t>
+            </a:r>
+          </a:p>
+        </p:txBody>
+      </p:sp>
+    </p:spTree>
+    <p:extLst>
+      <p:ext uri="{BB962C8B-B14F-4D97-AF65-F5344CB8AC3E}">
+        <p14:creationId xmlns:p14="http://schemas.microsoft.com/office/powerpoint/2010/main" val="784620898"/>
+      </p:ext>
+    </p:extLst>
+  </p:cSld>
+  <p:clrMapOvr>
+    <a:masterClrMapping/>
+  </p:clrMapOvr>
+</p:sld>
+</file>
+
+<file path=ppt/slides/slide15.xml><?xml version="1.0" encoding="utf-8"?>
+<p:sld xmlns:a="http://schemas.openxmlformats.org/drawingml/2006/main" xmlns:r="http://schemas.openxmlformats.org/officeDocument/2006/relationships" xmlns:p="http://schemas.openxmlformats.org/presentationml/2006/main">
+  <p:cSld>
+    <p:spTree>
+      <p:nvGrpSpPr>
+        <p:cNvPr id="1" name=""/>
+        <p:cNvGrpSpPr/>
+        <p:nvPr/>
+      </p:nvGrpSpPr>
+      <p:grpSpPr>
+        <a:xfrm>
+          <a:off x="0" y="0"/>
+          <a:ext cx="0" cy="0"/>
+          <a:chOff x="0" y="0"/>
+          <a:chExt cx="0" cy="0"/>
+        </a:xfrm>
+      </p:grpSpPr>
+      <p:sp>
+        <p:nvSpPr>
+          <p:cNvPr id="2" name="Title 1"/>
+          <p:cNvSpPr>
+            <a:spLocks noGrp="1"/>
+          </p:cNvSpPr>
+          <p:nvPr>
+            <p:ph type="title"/>
+          </p:nvPr>
+        </p:nvSpPr>
+        <p:spPr/>
+        <p:txBody>
+          <a:bodyPr/>
+          <a:lstStyle/>
+          <a:p>
+            <a:r>
+              <a:rPr lang="en-US" dirty="0" err="1"/>
+              <a:t>Sql</a:t>
+            </a:r>
+            <a:r>
+              <a:rPr lang="en-US" dirty="0"/>
+              <a:t> injection – Demonstration – </a:t>
+            </a:r>
+          </a:p>
+        </p:txBody>
+      </p:sp>
+      <p:sp>
+        <p:nvSpPr>
+          <p:cNvPr id="3" name="Content Placeholder 2"/>
+          <p:cNvSpPr>
+            <a:spLocks noGrp="1"/>
+          </p:cNvSpPr>
+          <p:nvPr>
+            <p:ph idx="1"/>
+          </p:nvPr>
+        </p:nvSpPr>
+        <p:spPr/>
+        <p:txBody>
+          <a:bodyPr/>
+          <a:lstStyle/>
+          <a:p>
+            <a:r>
+              <a:rPr lang="en-US" dirty="0"/>
+              <a:t>Not Preventing Site</a:t>
+            </a:r>
+          </a:p>
+          <a:p>
+            <a:pPr lvl="1"/>
+            <a:r>
+              <a:rPr lang="en-US" dirty="0">
+                <a:hlinkClick r:id="rId2"/>
+              </a:rPr>
+              <a:t>http://ec2-34-208-99-244.us-west-2.compute.amazonaws.com:8080/CS166_Final_Project/Project_Code/attackable/login_form.html</a:t>
+            </a:r>
+            <a:r>
+              <a:rPr lang="en-US" dirty="0"/>
+              <a:t> </a:t>
+            </a:r>
+            <a:endParaRPr lang="en-US" dirty="0"/>
+          </a:p>
+          <a:p>
+            <a:r>
+              <a:rPr lang="en-US" dirty="0"/>
+              <a:t>Preventing Site </a:t>
+            </a:r>
+          </a:p>
+          <a:p>
+            <a:pPr lvl="1"/>
+            <a:r>
+              <a:rPr lang="en-US" dirty="0"/>
+              <a:t>Running here  </a:t>
+            </a:r>
+          </a:p>
+        </p:txBody>
+      </p:sp>
+    </p:spTree>
+    <p:extLst>
+      <p:ext uri="{BB962C8B-B14F-4D97-AF65-F5344CB8AC3E}">
+        <p14:creationId xmlns:p14="http://schemas.microsoft.com/office/powerpoint/2010/main" val="2083430775"/>
+      </p:ext>
+    </p:extLst>
+  </p:cSld>
+  <p:clrMapOvr>
+    <a:masterClrMapping/>
+  </p:clrMapOvr>
+</p:sld>
+</file>
+
+<file path=ppt/slides/slide16.xml><?xml version="1.0" encoding="utf-8"?>
+<p:sld xmlns:a="http://schemas.openxmlformats.org/drawingml/2006/main" xmlns:r="http://schemas.openxmlformats.org/officeDocument/2006/relationships" xmlns:p="http://schemas.openxmlformats.org/presentationml/2006/main">
+  <p:cSld>
+    <p:spTree>
+      <p:nvGrpSpPr>
+        <p:cNvPr id="1" name=""/>
+        <p:cNvGrpSpPr/>
+        <p:nvPr/>
+      </p:nvGrpSpPr>
+      <p:grpSpPr>
+        <a:xfrm>
+          <a:off x="0" y="0"/>
+          <a:ext cx="0" cy="0"/>
+          <a:chOff x="0" y="0"/>
+          <a:chExt cx="0" cy="0"/>
+        </a:xfrm>
+      </p:grpSpPr>
+      <p:sp>
+        <p:nvSpPr>
+          <p:cNvPr id="2" name="Title 1"/>
+          <p:cNvSpPr>
+            <a:spLocks noGrp="1"/>
+          </p:cNvSpPr>
+          <p:nvPr>
+            <p:ph type="title"/>
+          </p:nvPr>
+        </p:nvSpPr>
+        <p:spPr/>
+        <p:txBody>
+          <a:bodyPr/>
+          <a:lstStyle/>
+          <a:p>
+            <a:r>
+              <a:rPr lang="en-US" dirty="0"/>
+              <a:t>XSS – Cross site Scripting –</a:t>
+            </a:r>
+          </a:p>
+        </p:txBody>
+      </p:sp>
+      <p:sp>
+        <p:nvSpPr>
+          <p:cNvPr id="3" name="Text Placeholder 2"/>
+          <p:cNvSpPr>
+            <a:spLocks noGrp="1"/>
+          </p:cNvSpPr>
+          <p:nvPr>
+            <p:ph type="body" idx="1"/>
+          </p:nvPr>
+        </p:nvSpPr>
+        <p:spPr/>
+        <p:txBody>
+          <a:bodyPr/>
+          <a:lstStyle/>
+          <a:p>
+            <a:endParaRPr lang="en-US"/>
+          </a:p>
+        </p:txBody>
+      </p:sp>
+    </p:spTree>
+    <p:extLst>
+      <p:ext uri="{BB962C8B-B14F-4D97-AF65-F5344CB8AC3E}">
+        <p14:creationId xmlns:p14="http://schemas.microsoft.com/office/powerpoint/2010/main" val="1891017623"/>
+      </p:ext>
+    </p:extLst>
+  </p:cSld>
+  <p:clrMapOvr>
+    <a:masterClrMapping/>
+  </p:clrMapOvr>
+</p:sld>
+</file>
+
+<file path=ppt/slides/slide17.xml><?xml version="1.0" encoding="utf-8"?>
+<p:sld xmlns:a="http://schemas.openxmlformats.org/drawingml/2006/main" xmlns:r="http://schemas.openxmlformats.org/officeDocument/2006/relationships" xmlns:p="http://schemas.openxmlformats.org/presentationml/2006/main">
+  <p:cSld>
+    <p:spTree>
+      <p:nvGrpSpPr>
+        <p:cNvPr id="1" name=""/>
+        <p:cNvGrpSpPr/>
+        <p:nvPr/>
+      </p:nvGrpSpPr>
+      <p:grpSpPr>
+        <a:xfrm>
+          <a:off x="0" y="0"/>
+          <a:ext cx="0" cy="0"/>
+          <a:chOff x="0" y="0"/>
+          <a:chExt cx="0" cy="0"/>
+        </a:xfrm>
+      </p:grpSpPr>
+      <p:sp>
+        <p:nvSpPr>
+          <p:cNvPr id="2" name="Title 1"/>
+          <p:cNvSpPr>
+            <a:spLocks noGrp="1"/>
+          </p:cNvSpPr>
+          <p:nvPr>
+            <p:ph type="title"/>
+          </p:nvPr>
+        </p:nvSpPr>
+        <p:spPr/>
+        <p:txBody>
+          <a:bodyPr/>
+          <a:lstStyle/>
+          <a:p>
+            <a:r>
+              <a:rPr lang="en-US" dirty="0" err="1"/>
+              <a:t>xss</a:t>
+            </a:r>
+            <a:r>
+              <a:rPr lang="en-US" dirty="0"/>
+              <a:t> – overview – </a:t>
+            </a:r>
+          </a:p>
+        </p:txBody>
+      </p:sp>
+      <p:sp>
+        <p:nvSpPr>
+          <p:cNvPr id="3" name="Content Placeholder 2"/>
+          <p:cNvSpPr>
+            <a:spLocks noGrp="1"/>
+          </p:cNvSpPr>
+          <p:nvPr>
+            <p:ph idx="1"/>
+          </p:nvPr>
+        </p:nvSpPr>
+        <p:spPr/>
+        <p:txBody>
+          <a:bodyPr/>
+          <a:lstStyle/>
+          <a:p>
+            <a:r>
+              <a:rPr lang="en-US" dirty="0"/>
+              <a:t>A type of injection attack</a:t>
+            </a:r>
+          </a:p>
+          <a:p>
+            <a:r>
+              <a:rPr lang="en-US" dirty="0"/>
+              <a:t>Injects malicious script into benign and trusted website. </a:t>
+            </a:r>
+          </a:p>
+          <a:p>
+            <a:r>
+              <a:rPr lang="en-US" dirty="0"/>
+              <a:t>Occurs when an attacker users a web application to send malicious code </a:t>
+            </a:r>
+          </a:p>
+          <a:p>
+            <a:r>
+              <a:rPr lang="en-US" dirty="0"/>
+              <a:t>Generally in the form of a browser side script to different end user.</a:t>
+            </a:r>
+          </a:p>
+        </p:txBody>
+      </p:sp>
+    </p:spTree>
+    <p:extLst>
+      <p:ext uri="{BB962C8B-B14F-4D97-AF65-F5344CB8AC3E}">
+        <p14:creationId xmlns:p14="http://schemas.microsoft.com/office/powerpoint/2010/main" val="3044677445"/>
+      </p:ext>
+    </p:extLst>
+  </p:cSld>
+  <p:clrMapOvr>
+    <a:masterClrMapping/>
+  </p:clrMapOvr>
+</p:sld>
+</file>
+
+<file path=ppt/slides/slide18.xml><?xml version="1.0" encoding="utf-8"?>
+<p:sld xmlns:a="http://schemas.openxmlformats.org/drawingml/2006/main" xmlns:r="http://schemas.openxmlformats.org/officeDocument/2006/relationships" xmlns:p="http://schemas.openxmlformats.org/presentationml/2006/main">
+  <p:cSld>
+    <p:spTree>
+      <p:nvGrpSpPr>
+        <p:cNvPr id="1" name=""/>
+        <p:cNvGrpSpPr/>
+        <p:nvPr/>
+      </p:nvGrpSpPr>
+      <p:grpSpPr>
+        <a:xfrm>
+          <a:off x="0" y="0"/>
+          <a:ext cx="0" cy="0"/>
+          <a:chOff x="0" y="0"/>
+          <a:chExt cx="0" cy="0"/>
+        </a:xfrm>
+      </p:grpSpPr>
+      <p:sp>
+        <p:nvSpPr>
+          <p:cNvPr id="2" name="Title 1"/>
+          <p:cNvSpPr>
+            <a:spLocks noGrp="1"/>
+          </p:cNvSpPr>
+          <p:nvPr>
+            <p:ph type="title"/>
+          </p:nvPr>
+        </p:nvSpPr>
+        <p:spPr/>
+        <p:txBody>
+          <a:bodyPr/>
+          <a:lstStyle/>
+          <a:p>
+            <a:r>
+              <a:rPr lang="en-US" dirty="0" err="1"/>
+              <a:t>xss</a:t>
+            </a:r>
+            <a:r>
+              <a:rPr lang="en-US" dirty="0"/>
+              <a:t> – thread modeling – </a:t>
+            </a:r>
+          </a:p>
+        </p:txBody>
+      </p:sp>
+      <p:sp>
+        <p:nvSpPr>
+          <p:cNvPr id="3" name="Content Placeholder 2"/>
+          <p:cNvSpPr>
+            <a:spLocks noGrp="1"/>
+          </p:cNvSpPr>
+          <p:nvPr>
+            <p:ph idx="1"/>
+          </p:nvPr>
+        </p:nvSpPr>
+        <p:spPr/>
+        <p:txBody>
+          <a:bodyPr/>
+          <a:lstStyle/>
+          <a:p>
+            <a:r>
+              <a:rPr lang="en-US" dirty="0"/>
+              <a:t>XSS lets attackers do the followings </a:t>
+            </a:r>
+          </a:p>
+          <a:p>
+            <a:pPr lvl="1"/>
+            <a:r>
+              <a:rPr lang="en-US" dirty="0"/>
+              <a:t>Identity Thrift (fraud) </a:t>
+            </a:r>
+          </a:p>
+          <a:p>
+            <a:pPr lvl="1"/>
+            <a:r>
+              <a:rPr lang="en-US" dirty="0"/>
+              <a:t>Redirect traffic by altering URL </a:t>
+            </a:r>
+          </a:p>
+          <a:p>
+            <a:pPr lvl="1"/>
+            <a:r>
+              <a:rPr lang="en-US" dirty="0"/>
+              <a:t>Session Hijacking </a:t>
+            </a:r>
+          </a:p>
+          <a:p>
+            <a:pPr lvl="1"/>
+            <a:r>
+              <a:rPr lang="en-US" dirty="0"/>
+              <a:t>Storing sensitive information in JavaScript variables </a:t>
+            </a:r>
+          </a:p>
+          <a:p>
+            <a:pPr lvl="1"/>
+            <a:endParaRPr lang="en-US" dirty="0"/>
+          </a:p>
+        </p:txBody>
+      </p:sp>
+    </p:spTree>
+    <p:extLst>
+      <p:ext uri="{BB962C8B-B14F-4D97-AF65-F5344CB8AC3E}">
+        <p14:creationId xmlns:p14="http://schemas.microsoft.com/office/powerpoint/2010/main" val="1001716980"/>
+      </p:ext>
+    </p:extLst>
+  </p:cSld>
+  <p:clrMapOvr>
+    <a:masterClrMapping/>
+  </p:clrMapOvr>
+</p:sld>
+</file>
+
+<file path=ppt/slides/slide19.xml><?xml version="1.0" encoding="utf-8"?>
+<p:sld xmlns:a="http://schemas.openxmlformats.org/drawingml/2006/main" xmlns:r="http://schemas.openxmlformats.org/officeDocument/2006/relationships" xmlns:p="http://schemas.openxmlformats.org/presentationml/2006/main">
+  <p:cSld>
+    <p:spTree>
+      <p:nvGrpSpPr>
+        <p:cNvPr id="1" name=""/>
+        <p:cNvGrpSpPr/>
+        <p:nvPr/>
+      </p:nvGrpSpPr>
+      <p:grpSpPr>
+        <a:xfrm>
+          <a:off x="0" y="0"/>
+          <a:ext cx="0" cy="0"/>
+          <a:chOff x="0" y="0"/>
+          <a:chExt cx="0" cy="0"/>
+        </a:xfrm>
+      </p:grpSpPr>
+      <p:sp>
+        <p:nvSpPr>
+          <p:cNvPr id="2" name="Title 1"/>
+          <p:cNvSpPr>
+            <a:spLocks noGrp="1"/>
+          </p:cNvSpPr>
+          <p:nvPr>
+            <p:ph type="title"/>
+          </p:nvPr>
+        </p:nvSpPr>
+        <p:spPr/>
+        <p:txBody>
+          <a:bodyPr/>
+          <a:lstStyle/>
+          <a:p>
+            <a:r>
+              <a:rPr lang="en-US" dirty="0" err="1"/>
+              <a:t>xss</a:t>
+            </a:r>
+            <a:r>
+              <a:rPr lang="en-US" dirty="0"/>
+              <a:t> – Prevention – </a:t>
+            </a:r>
+          </a:p>
+        </p:txBody>
+      </p:sp>
+      <p:sp>
+        <p:nvSpPr>
+          <p:cNvPr id="3" name="Content Placeholder 2"/>
+          <p:cNvSpPr>
+            <a:spLocks noGrp="1"/>
+          </p:cNvSpPr>
+          <p:nvPr>
+            <p:ph idx="1"/>
+          </p:nvPr>
+        </p:nvSpPr>
+        <p:spPr/>
+        <p:txBody>
+          <a:bodyPr/>
+          <a:lstStyle/>
+          <a:p>
+            <a:r>
+              <a:rPr lang="en-US" dirty="0"/>
+              <a:t>Never accepts to insert untrusted data except in allowed location </a:t>
+            </a:r>
+          </a:p>
+          <a:p>
+            <a:pPr lvl="1"/>
+            <a:r>
+              <a:rPr lang="en-US" dirty="0"/>
+              <a:t>Deny all – do not put untrusted data into your html document unless it is within one of the slot of defined in rule #1 </a:t>
+            </a:r>
+          </a:p>
+          <a:p>
+            <a:pPr lvl="1"/>
+            <a:r>
+              <a:rPr lang="en-US" sz="2800" dirty="0"/>
+              <a:t>Most importantly, never accept actual JavaScript code from an untrusted data and then run it.</a:t>
+            </a:r>
+          </a:p>
+        </p:txBody>
+      </p:sp>
+    </p:spTree>
+    <p:extLst>
+      <p:ext uri="{BB962C8B-B14F-4D97-AF65-F5344CB8AC3E}">
+        <p14:creationId xmlns:p14="http://schemas.microsoft.com/office/powerpoint/2010/main" val="3949596740"/>
+      </p:ext>
+    </p:extLst>
+  </p:cSld>
+  <p:clrMapOvr>
+    <a:masterClrMapping/>
+  </p:clrMapOvr>
+</p:sld>
+</file>
+
+<file path=ppt/slides/slide2.xml><?xml version="1.0" encoding="utf-8"?>
+<p:sld xmlns:a="http://schemas.openxmlformats.org/drawingml/2006/main" xmlns:r="http://schemas.openxmlformats.org/officeDocument/2006/relationships" xmlns:p="http://schemas.openxmlformats.org/presentationml/2006/main">
+  <p:cSld>
+    <p:spTree>
+      <p:nvGrpSpPr>
+        <p:cNvPr id="1" name=""/>
+        <p:cNvGrpSpPr/>
+        <p:nvPr/>
+      </p:nvGrpSpPr>
+      <p:grpSpPr>
+        <a:xfrm>
+          <a:off x="0" y="0"/>
+          <a:ext cx="0" cy="0"/>
+          <a:chOff x="0" y="0"/>
+          <a:chExt cx="0" cy="0"/>
+        </a:xfrm>
+      </p:grpSpPr>
+      <p:sp>
+        <p:nvSpPr>
+          <p:cNvPr id="2" name="Title 1"/>
+          <p:cNvSpPr>
+            <a:spLocks noGrp="1"/>
+          </p:cNvSpPr>
+          <p:nvPr>
+            <p:ph type="title"/>
+          </p:nvPr>
+        </p:nvSpPr>
+        <p:spPr/>
+        <p:txBody>
+          <a:bodyPr/>
+          <a:lstStyle/>
+          <a:p>
+            <a:r>
+              <a:rPr lang="en-US" dirty="0"/>
+              <a:t>content</a:t>
+            </a:r>
+          </a:p>
+        </p:txBody>
+      </p:sp>
+      <p:sp>
+        <p:nvSpPr>
+          <p:cNvPr id="3" name="Content Placeholder 2"/>
+          <p:cNvSpPr>
+            <a:spLocks noGrp="1"/>
+          </p:cNvSpPr>
+          <p:nvPr>
+            <p:ph idx="1"/>
+          </p:nvPr>
+        </p:nvSpPr>
+        <p:spPr>
+          <a:xfrm>
+            <a:off x="1141412" y="2249486"/>
+            <a:ext cx="3351075" cy="4336843"/>
+          </a:xfrm>
+        </p:spPr>
+        <p:txBody>
+          <a:bodyPr>
+            <a:normAutofit fontScale="92500"/>
+          </a:bodyPr>
+          <a:lstStyle/>
+          <a:p>
+            <a:r>
+              <a:rPr lang="en-US" dirty="0"/>
+              <a:t>Behind the scene tour of this site.</a:t>
+            </a:r>
+          </a:p>
+          <a:p>
+            <a:r>
+              <a:rPr lang="en-US" dirty="0"/>
+              <a:t>SQL Injection </a:t>
+            </a:r>
+          </a:p>
+          <a:p>
+            <a:r>
+              <a:rPr lang="en-US" dirty="0"/>
+              <a:t>XSS (Cross Site Scripting)</a:t>
+            </a:r>
+          </a:p>
+          <a:p>
+            <a:r>
+              <a:rPr lang="en-US" dirty="0"/>
+              <a:t>Cookie Stealing</a:t>
+            </a:r>
+          </a:p>
+          <a:p>
+            <a:r>
+              <a:rPr lang="en-US" dirty="0"/>
+              <a:t>Protocol </a:t>
+            </a:r>
+          </a:p>
+          <a:p>
+            <a:pPr lvl="1"/>
+            <a:r>
+              <a:rPr lang="en-US" dirty="0"/>
+              <a:t>Authentication </a:t>
+            </a:r>
+          </a:p>
+          <a:p>
+            <a:r>
+              <a:rPr lang="en-US" dirty="0"/>
+              <a:t>Trojan House </a:t>
+            </a:r>
+          </a:p>
+          <a:p>
+            <a:pPr marL="0" indent="0">
+              <a:buNone/>
+            </a:pPr>
+            <a:endParaRPr lang="en-US" dirty="0"/>
+          </a:p>
+        </p:txBody>
+      </p:sp>
+      <p:sp>
+        <p:nvSpPr>
+          <p:cNvPr id="4" name="Content Placeholder 2"/>
+          <p:cNvSpPr txBox="1">
+            <a:spLocks/>
+          </p:cNvSpPr>
+          <p:nvPr/>
+        </p:nvSpPr>
+        <p:spPr>
+          <a:xfrm>
+            <a:off x="6094412" y="2097087"/>
+            <a:ext cx="3351075" cy="4356721"/>
+          </a:xfrm>
+          <a:prstGeom prst="rect">
+            <a:avLst/>
+          </a:prstGeom>
+        </p:spPr>
+        <p:txBody>
+          <a:bodyPr vert="horz" lIns="91440" tIns="45720" rIns="91440" bIns="45720" rtlCol="0">
+            <a:normAutofit lnSpcReduction="10000"/>
+          </a:bodyPr>
+          <a:lstStyle>
+            <a:lvl1pPr marL="228600" indent="-228600" algn="l" defTabSz="914400" rtl="0" eaLnBrk="1" latinLnBrk="0" hangingPunct="1">
+              <a:lnSpc>
+                <a:spcPct val="120000"/>
+              </a:lnSpc>
+              <a:spcBef>
+                <a:spcPts val="1000"/>
+              </a:spcBef>
+              <a:buSzPct val="125000"/>
+              <a:buFont typeface="Arial" panose="020B0604020202020204" pitchFamily="34" charset="0"/>
+              <a:buChar char="•"/>
+              <a:defRPr sz="2400" kern="1200">
+                <a:solidFill>
+                  <a:schemeClr val="tx1"/>
+                </a:solidFill>
+                <a:latin typeface="+mn-lt"/>
+                <a:ea typeface="+mn-ea"/>
+                <a:cs typeface="+mn-cs"/>
+              </a:defRPr>
+            </a:lvl1pPr>
+            <a:lvl2pPr marL="685800" indent="-228600" algn="l" defTabSz="914400" rtl="0" eaLnBrk="1" latinLnBrk="0" hangingPunct="1">
+              <a:lnSpc>
+                <a:spcPct val="120000"/>
+              </a:lnSpc>
+              <a:spcBef>
+                <a:spcPts val="500"/>
+              </a:spcBef>
+              <a:buSzPct val="125000"/>
+              <a:buFont typeface="Arial" panose="020B0604020202020204" pitchFamily="34" charset="0"/>
+              <a:buChar char="•"/>
+              <a:defRPr sz="2000" kern="1200">
+                <a:solidFill>
+                  <a:schemeClr val="tx1"/>
+                </a:solidFill>
+                <a:latin typeface="+mn-lt"/>
+                <a:ea typeface="+mn-ea"/>
+                <a:cs typeface="+mn-cs"/>
+              </a:defRPr>
+            </a:lvl2pPr>
+            <a:lvl3pPr marL="1143000" indent="-228600" algn="l" defTabSz="914400" rtl="0" eaLnBrk="1" latinLnBrk="0" hangingPunct="1">
+              <a:lnSpc>
+                <a:spcPct val="120000"/>
+              </a:lnSpc>
+              <a:spcBef>
+                <a:spcPts val="500"/>
+              </a:spcBef>
+              <a:buSzPct val="125000"/>
+              <a:buFont typeface="Arial" panose="020B0604020202020204" pitchFamily="34" charset="0"/>
+              <a:buChar char="•"/>
+              <a:defRPr sz="1800" kern="1200">
+                <a:solidFill>
+                  <a:schemeClr val="tx1"/>
+                </a:solidFill>
+                <a:latin typeface="+mn-lt"/>
+                <a:ea typeface="+mn-ea"/>
+                <a:cs typeface="+mn-cs"/>
+              </a:defRPr>
+            </a:lvl3pPr>
+            <a:lvl4pPr marL="1600200" indent="-228600" algn="l" defTabSz="914400" rtl="0" eaLnBrk="1" latinLnBrk="0" hangingPunct="1">
+              <a:lnSpc>
+                <a:spcPct val="120000"/>
+              </a:lnSpc>
+              <a:spcBef>
+                <a:spcPts val="500"/>
+              </a:spcBef>
+              <a:buSzPct val="125000"/>
+              <a:buFont typeface="Arial" panose="020B0604020202020204" pitchFamily="34" charset="0"/>
+              <a:buChar char="•"/>
+              <a:defRPr sz="1600" kern="1200">
+                <a:solidFill>
+                  <a:schemeClr val="tx1"/>
+                </a:solidFill>
+                <a:latin typeface="+mn-lt"/>
+                <a:ea typeface="+mn-ea"/>
+                <a:cs typeface="+mn-cs"/>
+              </a:defRPr>
+            </a:lvl4pPr>
+            <a:lvl5pPr marL="2057400" indent="-228600" algn="l" defTabSz="914400" rtl="0" eaLnBrk="1" latinLnBrk="0" hangingPunct="1">
+              <a:lnSpc>
+                <a:spcPct val="120000"/>
+              </a:lnSpc>
+              <a:spcBef>
+                <a:spcPts val="500"/>
+              </a:spcBef>
+              <a:buSzPct val="125000"/>
+              <a:buFont typeface="Arial" panose="020B0604020202020204" pitchFamily="34" charset="0"/>
+              <a:buChar char="•"/>
+              <a:defRPr sz="1600" kern="1200">
+                <a:solidFill>
+                  <a:schemeClr val="tx1"/>
+                </a:solidFill>
+                <a:latin typeface="+mn-lt"/>
+                <a:ea typeface="+mn-ea"/>
+                <a:cs typeface="+mn-cs"/>
+              </a:defRPr>
+            </a:lvl5pPr>
+            <a:lvl6pPr marL="2514600" indent="-228600" algn="l" defTabSz="914400" rtl="0" eaLnBrk="1" latinLnBrk="0" hangingPunct="1">
+              <a:lnSpc>
+                <a:spcPct val="120000"/>
+              </a:lnSpc>
+              <a:spcBef>
+                <a:spcPts val="500"/>
+              </a:spcBef>
+              <a:buSzPct val="125000"/>
+              <a:buFont typeface="Arial" panose="020B0604020202020204" pitchFamily="34" charset="0"/>
+              <a:buChar char="•"/>
+              <a:defRPr sz="1400" kern="1200">
+                <a:solidFill>
+                  <a:schemeClr val="tx1"/>
+                </a:solidFill>
+                <a:latin typeface="+mn-lt"/>
+                <a:ea typeface="+mn-ea"/>
+                <a:cs typeface="+mn-cs"/>
+              </a:defRPr>
+            </a:lvl6pPr>
+            <a:lvl7pPr marL="2971800" indent="-228600" algn="l" defTabSz="914400" rtl="0" eaLnBrk="1" latinLnBrk="0" hangingPunct="1">
+              <a:lnSpc>
+                <a:spcPct val="120000"/>
+              </a:lnSpc>
+              <a:spcBef>
+                <a:spcPts val="500"/>
+              </a:spcBef>
+              <a:buSzPct val="125000"/>
+              <a:buFont typeface="Arial" panose="020B0604020202020204" pitchFamily="34" charset="0"/>
+              <a:buChar char="•"/>
+              <a:defRPr sz="1400" kern="1200">
+                <a:solidFill>
+                  <a:schemeClr val="tx1"/>
+                </a:solidFill>
+                <a:latin typeface="+mn-lt"/>
+                <a:ea typeface="+mn-ea"/>
+                <a:cs typeface="+mn-cs"/>
+              </a:defRPr>
+            </a:lvl7pPr>
+            <a:lvl8pPr marL="3429000" indent="-228600" algn="l" defTabSz="914400" rtl="0" eaLnBrk="1" latinLnBrk="0" hangingPunct="1">
+              <a:lnSpc>
+                <a:spcPct val="120000"/>
+              </a:lnSpc>
+              <a:spcBef>
+                <a:spcPts val="500"/>
+              </a:spcBef>
+              <a:buSzPct val="125000"/>
+              <a:buFont typeface="Arial" panose="020B0604020202020204" pitchFamily="34" charset="0"/>
+              <a:buChar char="•"/>
+              <a:defRPr sz="1400" kern="1200">
+                <a:solidFill>
+                  <a:schemeClr val="tx1"/>
+                </a:solidFill>
+                <a:latin typeface="+mn-lt"/>
+                <a:ea typeface="+mn-ea"/>
+                <a:cs typeface="+mn-cs"/>
+              </a:defRPr>
+            </a:lvl8pPr>
+            <a:lvl9pPr marL="3886200" indent="-228600" algn="l" defTabSz="914400" rtl="0" eaLnBrk="1" latinLnBrk="0" hangingPunct="1">
+              <a:lnSpc>
+                <a:spcPct val="120000"/>
+              </a:lnSpc>
+              <a:spcBef>
+                <a:spcPts val="500"/>
+              </a:spcBef>
+              <a:buSzPct val="125000"/>
+              <a:buFont typeface="Arial" panose="020B0604020202020204" pitchFamily="34" charset="0"/>
+              <a:buChar char="•"/>
+              <a:defRPr sz="1400" kern="1200">
+                <a:solidFill>
+                  <a:schemeClr val="tx1"/>
+                </a:solidFill>
+                <a:latin typeface="+mn-lt"/>
+                <a:ea typeface="+mn-ea"/>
+                <a:cs typeface="+mn-cs"/>
+              </a:defRPr>
+            </a:lvl9pPr>
+          </a:lstStyle>
+          <a:p>
+            <a:r>
+              <a:rPr lang="en-US" dirty="0"/>
+              <a:t>Behind the seen</a:t>
+            </a:r>
+          </a:p>
+          <a:p>
+            <a:r>
+              <a:rPr lang="en-US" dirty="0"/>
+              <a:t>SQL Injection </a:t>
+            </a:r>
+          </a:p>
+          <a:p>
+            <a:r>
+              <a:rPr lang="en-US" dirty="0"/>
+              <a:t>XSS (Cross Site Scripting)</a:t>
+            </a:r>
+          </a:p>
+          <a:p>
+            <a:r>
+              <a:rPr lang="en-US" dirty="0"/>
+              <a:t>Cookie Stealing</a:t>
+            </a:r>
+          </a:p>
+          <a:p>
+            <a:endParaRPr lang="en-US" dirty="0"/>
+          </a:p>
+          <a:p>
+            <a:r>
+              <a:rPr lang="en-US" dirty="0"/>
+              <a:t>Authentication </a:t>
+            </a:r>
+          </a:p>
+          <a:p>
+            <a:r>
+              <a:rPr lang="en-US" dirty="0"/>
+              <a:t>Trojan House </a:t>
+            </a:r>
+          </a:p>
+        </p:txBody>
+      </p:sp>
+    </p:spTree>
+    <p:extLst>
+      <p:ext uri="{BB962C8B-B14F-4D97-AF65-F5344CB8AC3E}">
+        <p14:creationId xmlns:p14="http://schemas.microsoft.com/office/powerpoint/2010/main" val="2600956234"/>
+      </p:ext>
+    </p:extLst>
+  </p:cSld>
+  <p:clrMapOvr>
+    <a:masterClrMapping/>
+  </p:clrMapOvr>
+</p:sld>
+</file>
+
+<file path=ppt/slides/slide20.xml><?xml version="1.0" encoding="utf-8"?>
+<p:sld xmlns:a="http://schemas.openxmlformats.org/drawingml/2006/main" xmlns:r="http://schemas.openxmlformats.org/officeDocument/2006/relationships" xmlns:p="http://schemas.openxmlformats.org/presentationml/2006/main">
+  <p:cSld>
+    <p:spTree>
+      <p:nvGrpSpPr>
+        <p:cNvPr id="1" name=""/>
+        <p:cNvGrpSpPr/>
+        <p:nvPr/>
+      </p:nvGrpSpPr>
+      <p:grpSpPr>
+        <a:xfrm>
+          <a:off x="0" y="0"/>
+          <a:ext cx="0" cy="0"/>
+          <a:chOff x="0" y="0"/>
+          <a:chExt cx="0" cy="0"/>
+        </a:xfrm>
+      </p:grpSpPr>
+      <p:sp>
+        <p:nvSpPr>
+          <p:cNvPr id="2" name="Title 1"/>
+          <p:cNvSpPr>
+            <a:spLocks noGrp="1"/>
+          </p:cNvSpPr>
+          <p:nvPr>
+            <p:ph type="title"/>
+          </p:nvPr>
+        </p:nvSpPr>
+        <p:spPr/>
+        <p:txBody>
+          <a:bodyPr/>
+          <a:lstStyle/>
+          <a:p>
+            <a:r>
+              <a:rPr lang="en-US" dirty="0" err="1"/>
+              <a:t>xss</a:t>
+            </a:r>
+            <a:r>
+              <a:rPr lang="en-US" dirty="0"/>
+              <a:t> –demonstration– </a:t>
+            </a:r>
+          </a:p>
+        </p:txBody>
+      </p:sp>
+      <p:sp>
+        <p:nvSpPr>
+          <p:cNvPr id="5" name="Content Placeholder 4"/>
+          <p:cNvSpPr>
+            <a:spLocks noGrp="1"/>
+          </p:cNvSpPr>
+          <p:nvPr>
+            <p:ph idx="1"/>
+          </p:nvPr>
+        </p:nvSpPr>
+        <p:spPr>
+          <a:xfrm>
+            <a:off x="1141412" y="2097088"/>
+            <a:ext cx="9905999" cy="2045908"/>
+          </a:xfrm>
+        </p:spPr>
+        <p:txBody>
+          <a:bodyPr/>
+          <a:lstStyle/>
+          <a:p>
+            <a:r>
+              <a:rPr lang="en-US" dirty="0"/>
+              <a:t>Demonstration running at </a:t>
+            </a:r>
+          </a:p>
+          <a:p>
+            <a:pPr lvl="1"/>
+            <a:r>
+              <a:rPr lang="en-US" dirty="0">
+                <a:hlinkClick r:id="rId2"/>
+              </a:rPr>
+              <a:t>http://ec2-34-208-99-244.us-west-2.compute.amazonaws.com:8080/CS166_Final_Project/Project_Code/attackable/login_form.html</a:t>
+            </a:r>
+            <a:r>
+              <a:rPr lang="en-US" dirty="0"/>
+              <a:t> </a:t>
+            </a:r>
+          </a:p>
+          <a:p>
+            <a:pPr lvl="1"/>
+            <a:endParaRPr lang="en-US" dirty="0"/>
+          </a:p>
+        </p:txBody>
+      </p:sp>
+    </p:spTree>
+    <p:extLst>
+      <p:ext uri="{BB962C8B-B14F-4D97-AF65-F5344CB8AC3E}">
+        <p14:creationId xmlns:p14="http://schemas.microsoft.com/office/powerpoint/2010/main" val="530636723"/>
+      </p:ext>
+    </p:extLst>
+  </p:cSld>
+  <p:clrMapOvr>
+    <a:masterClrMapping/>
+  </p:clrMapOvr>
+</p:sld>
+</file>
+
+<file path=ppt/slides/slide21.xml><?xml version="1.0" encoding="utf-8"?>
+<p:sld xmlns:a="http://schemas.openxmlformats.org/drawingml/2006/main" xmlns:r="http://schemas.openxmlformats.org/officeDocument/2006/relationships" xmlns:p="http://schemas.openxmlformats.org/presentationml/2006/main">
+  <p:cSld>
+    <p:spTree>
+      <p:nvGrpSpPr>
+        <p:cNvPr id="1" name=""/>
+        <p:cNvGrpSpPr/>
+        <p:nvPr/>
+      </p:nvGrpSpPr>
+      <p:grpSpPr>
+        <a:xfrm>
+          <a:off x="0" y="0"/>
+          <a:ext cx="0" cy="0"/>
+          <a:chOff x="0" y="0"/>
+          <a:chExt cx="0" cy="0"/>
+        </a:xfrm>
+      </p:grpSpPr>
+      <p:sp>
+        <p:nvSpPr>
+          <p:cNvPr id="2" name="Title 1"/>
+          <p:cNvSpPr>
+            <a:spLocks noGrp="1"/>
+          </p:cNvSpPr>
+          <p:nvPr>
+            <p:ph type="title"/>
+          </p:nvPr>
+        </p:nvSpPr>
+        <p:spPr/>
+        <p:txBody>
+          <a:bodyPr/>
+          <a:lstStyle/>
+          <a:p>
+            <a:r>
+              <a:rPr lang="en-US" dirty="0"/>
+              <a:t>Protocol </a:t>
+            </a:r>
+          </a:p>
+        </p:txBody>
+      </p:sp>
+      <p:sp>
+        <p:nvSpPr>
+          <p:cNvPr id="3" name="Text Placeholder 2"/>
+          <p:cNvSpPr>
+            <a:spLocks noGrp="1"/>
+          </p:cNvSpPr>
+          <p:nvPr>
+            <p:ph type="body" idx="1"/>
+          </p:nvPr>
+        </p:nvSpPr>
+        <p:spPr/>
+        <p:txBody>
+          <a:bodyPr/>
+          <a:lstStyle/>
+          <a:p>
+            <a:endParaRPr lang="en-US" dirty="0"/>
+          </a:p>
+        </p:txBody>
+      </p:sp>
+    </p:spTree>
+    <p:extLst>
+      <p:ext uri="{BB962C8B-B14F-4D97-AF65-F5344CB8AC3E}">
+        <p14:creationId xmlns:p14="http://schemas.microsoft.com/office/powerpoint/2010/main" val="398371848"/>
+      </p:ext>
+    </p:extLst>
+  </p:cSld>
+  <p:clrMapOvr>
+    <a:masterClrMapping/>
+  </p:clrMapOvr>
+</p:sld>
+</file>
+
+<file path=ppt/slides/slide22.xml><?xml version="1.0" encoding="utf-8"?>
+<p:sld xmlns:a="http://schemas.openxmlformats.org/drawingml/2006/main" xmlns:r="http://schemas.openxmlformats.org/officeDocument/2006/relationships" xmlns:p="http://schemas.openxmlformats.org/presentationml/2006/main">
+  <p:cSld>
+    <p:spTree>
+      <p:nvGrpSpPr>
+        <p:cNvPr id="1" name=""/>
+        <p:cNvGrpSpPr/>
+        <p:nvPr/>
+      </p:nvGrpSpPr>
+      <p:grpSpPr>
+        <a:xfrm>
+          <a:off x="0" y="0"/>
+          <a:ext cx="0" cy="0"/>
+          <a:chOff x="0" y="0"/>
+          <a:chExt cx="0" cy="0"/>
+        </a:xfrm>
+      </p:grpSpPr>
+      <p:sp>
+        <p:nvSpPr>
+          <p:cNvPr id="2" name="Title 1"/>
+          <p:cNvSpPr>
+            <a:spLocks noGrp="1"/>
+          </p:cNvSpPr>
+          <p:nvPr>
+            <p:ph type="title"/>
+          </p:nvPr>
+        </p:nvSpPr>
+        <p:spPr/>
+        <p:txBody>
+          <a:bodyPr/>
+          <a:lstStyle/>
+          <a:p>
+            <a:r>
+              <a:rPr lang="en-US" dirty="0"/>
+              <a:t>PROTOCL</a:t>
+            </a:r>
+          </a:p>
+        </p:txBody>
+      </p:sp>
+      <p:sp>
+        <p:nvSpPr>
+          <p:cNvPr id="3" name="Content Placeholder 2"/>
+          <p:cNvSpPr>
+            <a:spLocks noGrp="1"/>
+          </p:cNvSpPr>
+          <p:nvPr>
+            <p:ph idx="1"/>
+          </p:nvPr>
+        </p:nvSpPr>
+        <p:spPr/>
+        <p:txBody>
+          <a:bodyPr/>
+          <a:lstStyle/>
+          <a:p>
+            <a:r>
+              <a:rPr lang="en-US" dirty="0"/>
+              <a:t>5 REQUEIREMENTS </a:t>
+            </a:r>
+          </a:p>
+          <a:p>
+            <a:pPr lvl="1"/>
+            <a:endParaRPr lang="en-US" dirty="0"/>
+          </a:p>
+        </p:txBody>
+      </p:sp>
+    </p:spTree>
+    <p:extLst>
+      <p:ext uri="{BB962C8B-B14F-4D97-AF65-F5344CB8AC3E}">
+        <p14:creationId xmlns:p14="http://schemas.microsoft.com/office/powerpoint/2010/main" val="1640638998"/>
+      </p:ext>
+    </p:extLst>
+  </p:cSld>
+  <p:clrMapOvr>
+    <a:masterClrMapping/>
+  </p:clrMapOvr>
+</p:sld>
+</file>
+
+<file path=ppt/slides/slide23.xml><?xml version="1.0" encoding="utf-8"?>
+<p:sld xmlns:a="http://schemas.openxmlformats.org/drawingml/2006/main" xmlns:r="http://schemas.openxmlformats.org/officeDocument/2006/relationships" xmlns:p="http://schemas.openxmlformats.org/presentationml/2006/main">
+  <p:cSld>
+    <p:spTree>
+      <p:nvGrpSpPr>
+        <p:cNvPr id="1" name=""/>
+        <p:cNvGrpSpPr/>
+        <p:nvPr/>
+      </p:nvGrpSpPr>
+      <p:grpSpPr>
+        <a:xfrm>
+          <a:off x="0" y="0"/>
+          <a:ext cx="0" cy="0"/>
+          <a:chOff x="0" y="0"/>
+          <a:chExt cx="0" cy="0"/>
+        </a:xfrm>
+      </p:grpSpPr>
+      <p:sp>
+        <p:nvSpPr>
+          <p:cNvPr id="2" name="Title 1"/>
+          <p:cNvSpPr>
+            <a:spLocks noGrp="1"/>
+          </p:cNvSpPr>
+          <p:nvPr>
+            <p:ph type="title"/>
+          </p:nvPr>
+        </p:nvSpPr>
+        <p:spPr/>
+        <p:txBody>
+          <a:bodyPr/>
+          <a:lstStyle/>
+          <a:p>
+            <a:r>
+              <a:rPr lang="en-US" dirty="0"/>
+              <a:t>Replay attack </a:t>
+            </a:r>
+          </a:p>
+        </p:txBody>
+      </p:sp>
+      <p:sp>
+        <p:nvSpPr>
+          <p:cNvPr id="3" name="Content Placeholder 2"/>
+          <p:cNvSpPr>
+            <a:spLocks noGrp="1"/>
+          </p:cNvSpPr>
+          <p:nvPr>
+            <p:ph idx="1"/>
+          </p:nvPr>
+        </p:nvSpPr>
+        <p:spPr/>
+        <p:txBody>
+          <a:bodyPr/>
+          <a:lstStyle/>
+          <a:p>
+            <a:endParaRPr lang="en-US" dirty="0"/>
+          </a:p>
+        </p:txBody>
+      </p:sp>
+    </p:spTree>
+    <p:extLst>
+      <p:ext uri="{BB962C8B-B14F-4D97-AF65-F5344CB8AC3E}">
+        <p14:creationId xmlns:p14="http://schemas.microsoft.com/office/powerpoint/2010/main" val="3416331415"/>
+      </p:ext>
+    </p:extLst>
+  </p:cSld>
+  <p:clrMapOvr>
+    <a:masterClrMapping/>
+  </p:clrMapOvr>
+</p:sld>
+</file>
+
+<file path=ppt/slides/slide24.xml><?xml version="1.0" encoding="utf-8"?>
+<p:sld xmlns:a="http://schemas.openxmlformats.org/drawingml/2006/main" xmlns:r="http://schemas.openxmlformats.org/officeDocument/2006/relationships" xmlns:p="http://schemas.openxmlformats.org/presentationml/2006/main">
+  <p:cSld>
+    <p:spTree>
+      <p:nvGrpSpPr>
+        <p:cNvPr id="1" name=""/>
+        <p:cNvGrpSpPr/>
+        <p:nvPr/>
+      </p:nvGrpSpPr>
+      <p:grpSpPr>
+        <a:xfrm>
+          <a:off x="0" y="0"/>
+          <a:ext cx="0" cy="0"/>
+          <a:chOff x="0" y="0"/>
+          <a:chExt cx="0" cy="0"/>
+        </a:xfrm>
+      </p:grpSpPr>
+      <p:sp>
+        <p:nvSpPr>
+          <p:cNvPr id="2" name="Title 1"/>
+          <p:cNvSpPr>
+            <a:spLocks noGrp="1"/>
+          </p:cNvSpPr>
+          <p:nvPr>
+            <p:ph type="title"/>
+          </p:nvPr>
+        </p:nvSpPr>
+        <p:spPr/>
+        <p:txBody>
+          <a:bodyPr/>
+          <a:lstStyle/>
+          <a:p>
+            <a:r>
+              <a:rPr lang="en-US" dirty="0"/>
+              <a:t>reference</a:t>
+            </a:r>
+          </a:p>
+        </p:txBody>
+      </p:sp>
+      <p:sp>
+        <p:nvSpPr>
+          <p:cNvPr id="3" name="Text Placeholder 2"/>
+          <p:cNvSpPr>
+            <a:spLocks noGrp="1"/>
+          </p:cNvSpPr>
+          <p:nvPr>
+            <p:ph type="body" idx="1"/>
+          </p:nvPr>
+        </p:nvSpPr>
+        <p:spPr/>
+        <p:txBody>
+          <a:bodyPr/>
+          <a:lstStyle/>
+          <a:p>
+            <a:endParaRPr lang="en-US"/>
+          </a:p>
+        </p:txBody>
+      </p:sp>
+    </p:spTree>
+    <p:extLst>
+      <p:ext uri="{BB962C8B-B14F-4D97-AF65-F5344CB8AC3E}">
+        <p14:creationId xmlns:p14="http://schemas.microsoft.com/office/powerpoint/2010/main" val="1020888119"/>
+      </p:ext>
+    </p:extLst>
+  </p:cSld>
+  <p:clrMapOvr>
+    <a:masterClrMapping/>
+  </p:clrMapOvr>
+</p:sld>
+</file>
+
+<file path=ppt/slides/slide25.xml><?xml version="1.0" encoding="utf-8"?>
+<p:sld xmlns:a="http://schemas.openxmlformats.org/drawingml/2006/main" xmlns:r="http://schemas.openxmlformats.org/officeDocument/2006/relationships" xmlns:p="http://schemas.openxmlformats.org/presentationml/2006/main">
+  <p:cSld>
+    <p:spTree>
+      <p:nvGrpSpPr>
+        <p:cNvPr id="1" name=""/>
+        <p:cNvGrpSpPr/>
+        <p:nvPr/>
+      </p:nvGrpSpPr>
+      <p:grpSpPr>
+        <a:xfrm>
+          <a:off x="0" y="0"/>
+          <a:ext cx="0" cy="0"/>
+          <a:chOff x="0" y="0"/>
+          <a:chExt cx="0" cy="0"/>
+        </a:xfrm>
+      </p:grpSpPr>
+      <p:sp>
+        <p:nvSpPr>
+          <p:cNvPr id="2" name="Title 1"/>
+          <p:cNvSpPr>
+            <a:spLocks noGrp="1"/>
+          </p:cNvSpPr>
+          <p:nvPr>
+            <p:ph type="title"/>
+          </p:nvPr>
+        </p:nvSpPr>
+        <p:spPr/>
+        <p:txBody>
+          <a:bodyPr/>
+          <a:lstStyle/>
+          <a:p>
+            <a:endParaRPr lang="en-US"/>
+          </a:p>
+        </p:txBody>
+      </p:sp>
+      <p:sp>
+        <p:nvSpPr>
+          <p:cNvPr id="3" name="Content Placeholder 2"/>
+          <p:cNvSpPr>
+            <a:spLocks noGrp="1"/>
+          </p:cNvSpPr>
+          <p:nvPr>
+            <p:ph idx="1"/>
+          </p:nvPr>
+        </p:nvSpPr>
+        <p:spPr/>
+        <p:txBody>
+          <a:bodyPr/>
+          <a:lstStyle/>
+          <a:p>
+            <a:r>
+              <a:rPr lang="en-US" dirty="0"/>
+              <a:t>https://www.owasp.org/index.php/SQL_Injection</a:t>
+            </a:r>
+          </a:p>
+        </p:txBody>
+      </p:sp>
+    </p:spTree>
+    <p:extLst>
+      <p:ext uri="{BB962C8B-B14F-4D97-AF65-F5344CB8AC3E}">
+        <p14:creationId xmlns:p14="http://schemas.microsoft.com/office/powerpoint/2010/main" val="4152786892"/>
+      </p:ext>
+    </p:extLst>
+  </p:cSld>
+  <p:clrMapOvr>
+    <a:masterClrMapping/>
+  </p:clrMapOvr>
+</p:sld>
+</file>
+
+<file path=ppt/slides/slide3.xml><?xml version="1.0" encoding="utf-8"?>
+<p:sld xmlns:a="http://schemas.openxmlformats.org/drawingml/2006/main" xmlns:r="http://schemas.openxmlformats.org/officeDocument/2006/relationships" xmlns:p="http://schemas.openxmlformats.org/presentationml/2006/main">
+  <p:cSld>
+    <p:spTree>
+      <p:nvGrpSpPr>
+        <p:cNvPr id="1" name=""/>
+        <p:cNvGrpSpPr/>
+        <p:nvPr/>
+      </p:nvGrpSpPr>
+      <p:grpSpPr>
+        <a:xfrm>
+          <a:off x="0" y="0"/>
+          <a:ext cx="0" cy="0"/>
+          <a:chOff x="0" y="0"/>
+          <a:chExt cx="0" cy="0"/>
+        </a:xfrm>
+      </p:grpSpPr>
+      <p:sp>
+        <p:nvSpPr>
+          <p:cNvPr id="2" name="Title 1"/>
+          <p:cNvSpPr>
+            <a:spLocks noGrp="1"/>
+          </p:cNvSpPr>
+          <p:nvPr>
+            <p:ph type="title"/>
+          </p:nvPr>
+        </p:nvSpPr>
+        <p:spPr/>
+        <p:txBody>
+          <a:bodyPr/>
+          <a:lstStyle/>
+          <a:p>
+            <a:r>
+              <a:rPr lang="en-US" dirty="0"/>
+              <a:t>Behind the scene tour of this site </a:t>
+            </a:r>
+          </a:p>
+        </p:txBody>
+      </p:sp>
+      <p:sp>
+        <p:nvSpPr>
+          <p:cNvPr id="3" name="Text Placeholder 2"/>
+          <p:cNvSpPr>
+            <a:spLocks noGrp="1"/>
+          </p:cNvSpPr>
+          <p:nvPr>
+            <p:ph type="body" idx="1"/>
+          </p:nvPr>
+        </p:nvSpPr>
+        <p:spPr/>
+        <p:txBody>
+          <a:bodyPr/>
+          <a:lstStyle/>
+          <a:p>
+            <a:endParaRPr lang="en-US"/>
+          </a:p>
+        </p:txBody>
+      </p:sp>
+    </p:spTree>
+    <p:extLst>
+      <p:ext uri="{BB962C8B-B14F-4D97-AF65-F5344CB8AC3E}">
+        <p14:creationId xmlns:p14="http://schemas.microsoft.com/office/powerpoint/2010/main" val="1336076629"/>
+      </p:ext>
+    </p:extLst>
+  </p:cSld>
+  <p:clrMapOvr>
+    <a:masterClrMapping/>
+  </p:clrMapOvr>
+</p:sld>
+</file>
+
+<file path=ppt/slides/slide4.xml><?xml version="1.0" encoding="utf-8"?>
+<p:sld xmlns:a="http://schemas.openxmlformats.org/drawingml/2006/main" xmlns:r="http://schemas.openxmlformats.org/officeDocument/2006/relationships" xmlns:p="http://schemas.openxmlformats.org/presentationml/2006/main">
+  <p:cSld>
+    <p:spTree>
+      <p:nvGrpSpPr>
+        <p:cNvPr id="1" name=""/>
+        <p:cNvGrpSpPr/>
+        <p:nvPr/>
+      </p:nvGrpSpPr>
+      <p:grpSpPr>
+        <a:xfrm>
+          <a:off x="0" y="0"/>
+          <a:ext cx="0" cy="0"/>
+          <a:chOff x="0" y="0"/>
+          <a:chExt cx="0" cy="0"/>
+        </a:xfrm>
+      </p:grpSpPr>
+      <p:sp>
+        <p:nvSpPr>
+          <p:cNvPr id="2" name="Title 1"/>
+          <p:cNvSpPr>
+            <a:spLocks noGrp="1"/>
+          </p:cNvSpPr>
+          <p:nvPr>
+            <p:ph type="title"/>
+          </p:nvPr>
+        </p:nvSpPr>
+        <p:spPr/>
+        <p:txBody>
+          <a:bodyPr/>
+          <a:lstStyle/>
+          <a:p>
+            <a:r>
+              <a:rPr lang="en-US" dirty="0"/>
+              <a:t>Entry </a:t>
+            </a:r>
+            <a:r>
+              <a:rPr lang="en-US" dirty="0" err="1"/>
+              <a:t>url</a:t>
+            </a:r>
+            <a:r>
+              <a:rPr lang="en-US" dirty="0"/>
+              <a:t> for cs166 blog</a:t>
+            </a:r>
+          </a:p>
+        </p:txBody>
+      </p:sp>
+      <p:sp>
+        <p:nvSpPr>
+          <p:cNvPr id="3" name="Content Placeholder 2"/>
+          <p:cNvSpPr>
+            <a:spLocks noGrp="1"/>
+          </p:cNvSpPr>
+          <p:nvPr>
+            <p:ph idx="1"/>
+          </p:nvPr>
+        </p:nvSpPr>
+        <p:spPr/>
+        <p:txBody>
+          <a:bodyPr>
+            <a:normAutofit fontScale="92500" lnSpcReduction="10000"/>
+          </a:bodyPr>
+          <a:lstStyle/>
+          <a:p>
+            <a:r>
+              <a:rPr lang="en-US" b="1" dirty="0"/>
+              <a:t>Prevented codes are running at:</a:t>
+            </a:r>
+            <a:endParaRPr lang="en-US" b="1" dirty="0">
+              <a:hlinkClick r:id="rId2"/>
+            </a:endParaRPr>
+          </a:p>
+          <a:p>
+            <a:r>
+              <a:rPr lang="en-US" b="1" dirty="0">
+                <a:hlinkClick r:id="rId2"/>
+              </a:rPr>
+              <a:t>http://ec2-34-208-99-244.us-west-2.compute.amazonaws.com:8080/CS166_Final_Project/Project_Code/prevented/register_form.jsp</a:t>
+            </a:r>
+            <a:r>
+              <a:rPr lang="en-US" b="1" dirty="0"/>
+              <a:t> </a:t>
+            </a:r>
+          </a:p>
+          <a:p>
+            <a:r>
+              <a:rPr lang="en-US" b="1" dirty="0"/>
+              <a:t>The given codes are running at:</a:t>
+            </a:r>
+          </a:p>
+          <a:p>
+            <a:r>
+              <a:rPr lang="en-US" b="1" dirty="0">
+                <a:hlinkClick r:id="rId3"/>
+              </a:rPr>
+              <a:t>http://ec2-34-208-99-244.us-west-2.compute.amazonaws.com:8080/CS166_Final_Project/Project_Code/attackable/register_form.html</a:t>
+            </a:r>
+            <a:r>
+              <a:rPr lang="en-US" b="1" dirty="0"/>
+              <a:t> </a:t>
+            </a:r>
+            <a:endParaRPr lang="en-US" b="1" dirty="0"/>
+          </a:p>
+        </p:txBody>
+      </p:sp>
+    </p:spTree>
+    <p:extLst>
+      <p:ext uri="{BB962C8B-B14F-4D97-AF65-F5344CB8AC3E}">
+        <p14:creationId xmlns:p14="http://schemas.microsoft.com/office/powerpoint/2010/main" val="65385585"/>
+      </p:ext>
+    </p:extLst>
+  </p:cSld>
+  <p:clrMapOvr>
+    <a:masterClrMapping/>
+  </p:clrMapOvr>
+</p:sld>
+</file>
+
+<file path=ppt/slides/slide5.xml><?xml version="1.0" encoding="utf-8"?>
+<p:sld xmlns:a="http://schemas.openxmlformats.org/drawingml/2006/main" xmlns:r="http://schemas.openxmlformats.org/officeDocument/2006/relationships" xmlns:p="http://schemas.openxmlformats.org/presentationml/2006/main">
+  <p:cSld>
+    <p:spTree>
+      <p:nvGrpSpPr>
+        <p:cNvPr id="1" name=""/>
+        <p:cNvGrpSpPr/>
+        <p:nvPr/>
+      </p:nvGrpSpPr>
+      <p:grpSpPr>
+        <a:xfrm>
+          <a:off x="0" y="0"/>
+          <a:ext cx="0" cy="0"/>
+          <a:chOff x="0" y="0"/>
+          <a:chExt cx="0" cy="0"/>
+        </a:xfrm>
+      </p:grpSpPr>
+      <p:sp>
+        <p:nvSpPr>
+          <p:cNvPr id="2" name="Title 1"/>
+          <p:cNvSpPr>
+            <a:spLocks noGrp="1"/>
+          </p:cNvSpPr>
+          <p:nvPr>
+            <p:ph type="title"/>
+          </p:nvPr>
+        </p:nvSpPr>
+        <p:spPr/>
+        <p:txBody>
+          <a:bodyPr/>
+          <a:lstStyle/>
+          <a:p>
+            <a:r>
+              <a:rPr lang="en-US" dirty="0"/>
+              <a:t>How to build this site</a:t>
+            </a:r>
+          </a:p>
+        </p:txBody>
+      </p:sp>
+      <p:sp>
+        <p:nvSpPr>
+          <p:cNvPr id="3" name="Content Placeholder 2"/>
+          <p:cNvSpPr>
+            <a:spLocks noGrp="1"/>
+          </p:cNvSpPr>
+          <p:nvPr>
+            <p:ph idx="1"/>
+          </p:nvPr>
+        </p:nvSpPr>
+        <p:spPr>
+          <a:xfrm>
+            <a:off x="1141412" y="2249487"/>
+            <a:ext cx="9905999" cy="1646652"/>
+          </a:xfrm>
+        </p:spPr>
+        <p:txBody>
+          <a:bodyPr/>
+          <a:lstStyle/>
+          <a:p>
+            <a:r>
+              <a:rPr lang="en-US" dirty="0"/>
+              <a:t>Download source code from the </a:t>
+            </a:r>
+            <a:r>
+              <a:rPr lang="en-US" dirty="0" err="1"/>
+              <a:t>git</a:t>
+            </a:r>
+            <a:r>
+              <a:rPr lang="en-US" dirty="0"/>
+              <a:t> hub: </a:t>
+            </a:r>
+            <a:r>
+              <a:rPr lang="en-US" dirty="0">
+                <a:hlinkClick r:id="rId2"/>
+              </a:rPr>
+              <a:t>https://github.com/28kayak/CS166_Final_Project.git</a:t>
+            </a:r>
+            <a:r>
+              <a:rPr lang="en-US" dirty="0"/>
+              <a:t> </a:t>
+            </a:r>
+          </a:p>
+          <a:p>
+            <a:r>
+              <a:rPr lang="en-US" dirty="0"/>
+              <a:t>Set up AWS windows server with the following security group. </a:t>
+            </a:r>
+          </a:p>
+          <a:p>
+            <a:pPr lvl="1"/>
+            <a:endParaRPr lang="en-US" dirty="0"/>
+          </a:p>
+        </p:txBody>
+      </p:sp>
+      <p:pic>
+        <p:nvPicPr>
+          <p:cNvPr id="4" name="Picture 3"/>
+          <p:cNvPicPr>
+            <a:picLocks noChangeAspect="1"/>
+          </p:cNvPicPr>
+          <p:nvPr/>
+        </p:nvPicPr>
+        <p:blipFill>
+          <a:blip r:embed="rId3"/>
+          <a:stretch>
+            <a:fillRect/>
+          </a:stretch>
+        </p:blipFill>
+        <p:spPr>
+          <a:xfrm>
+            <a:off x="1141412" y="4163946"/>
+            <a:ext cx="10574226" cy="1933845"/>
+          </a:xfrm>
+          <a:prstGeom prst="rect">
+            <a:avLst/>
+          </a:prstGeom>
+        </p:spPr>
+      </p:pic>
+    </p:spTree>
+    <p:extLst>
+      <p:ext uri="{BB962C8B-B14F-4D97-AF65-F5344CB8AC3E}">
+        <p14:creationId xmlns:p14="http://schemas.microsoft.com/office/powerpoint/2010/main" val="2033592462"/>
+      </p:ext>
+    </p:extLst>
+  </p:cSld>
+  <p:clrMapOvr>
+    <a:masterClrMapping/>
+  </p:clrMapOvr>
+</p:sld>
+</file>
+
+<file path=ppt/slides/slide6.xml><?xml version="1.0" encoding="utf-8"?>
+<p:sld xmlns:a="http://schemas.openxmlformats.org/drawingml/2006/main" xmlns:r="http://schemas.openxmlformats.org/officeDocument/2006/relationships" xmlns:p="http://schemas.openxmlformats.org/presentationml/2006/main">
+  <p:cSld>
+    <p:spTree>
+      <p:nvGrpSpPr>
+        <p:cNvPr id="1" name=""/>
+        <p:cNvGrpSpPr/>
+        <p:nvPr/>
+      </p:nvGrpSpPr>
+      <p:grpSpPr>
+        <a:xfrm>
+          <a:off x="0" y="0"/>
+          <a:ext cx="0" cy="0"/>
+          <a:chOff x="0" y="0"/>
+          <a:chExt cx="0" cy="0"/>
+        </a:xfrm>
+      </p:grpSpPr>
+      <p:pic>
+        <p:nvPicPr>
+          <p:cNvPr id="7" name="Content Placeholder 3" descr="&#10;" title="Windows Server Fire Wall"/>
+          <p:cNvPicPr>
+            <a:picLocks noChangeAspect="1"/>
+          </p:cNvPicPr>
+          <p:nvPr/>
+        </p:nvPicPr>
+        <p:blipFill rotWithShape="1">
+          <a:blip r:embed="rId2"/>
+          <a:srcRect l="2069" r="2983" b="-1"/>
+          <a:stretch/>
+        </p:blipFill>
+        <p:spPr>
+          <a:xfrm>
+            <a:off x="7619998" y="780235"/>
+            <a:ext cx="3425199" cy="4840332"/>
+          </a:xfrm>
+          <a:prstGeom prst="round2DiagRect">
+            <a:avLst>
+              <a:gd name="adj1" fmla="val 4860"/>
+              <a:gd name="adj2" fmla="val 0"/>
+            </a:avLst>
+          </a:prstGeom>
+          <a:ln w="19050" cap="sq">
+            <a:solidFill>
+              <a:schemeClr val="tx2">
+                <a:lumMod val="60000"/>
+                <a:lumOff val="40000"/>
+                <a:alpha val="60000"/>
+              </a:schemeClr>
+            </a:solidFill>
+            <a:miter lim="800000"/>
+          </a:ln>
+          <a:effectLst>
+            <a:outerShdw blurRad="88900" dist="38100" dir="5400000" algn="t" rotWithShape="0">
+              <a:prstClr val="black">
+                <a:alpha val="40000"/>
+              </a:prstClr>
+            </a:outerShdw>
+          </a:effectLst>
+        </p:spPr>
+      </p:pic>
+      <p:sp>
+        <p:nvSpPr>
+          <p:cNvPr id="2" name="Title 1"/>
+          <p:cNvSpPr>
+            <a:spLocks noGrp="1"/>
+          </p:cNvSpPr>
+          <p:nvPr>
+            <p:ph type="title"/>
+          </p:nvPr>
+        </p:nvSpPr>
+        <p:spPr>
+          <a:xfrm>
+            <a:off x="1141412" y="618518"/>
+            <a:ext cx="5894387" cy="1478570"/>
+          </a:xfrm>
+        </p:spPr>
+        <p:txBody>
+          <a:bodyPr anchor="b">
+            <a:normAutofit/>
+          </a:bodyPr>
+          <a:lstStyle/>
+          <a:p>
+            <a:r>
+              <a:rPr lang="en-US" dirty="0"/>
+              <a:t>How to build this site</a:t>
+            </a:r>
+            <a:endParaRPr lang="en-US" dirty="0"/>
+          </a:p>
+        </p:txBody>
+      </p:sp>
+      <p:sp>
+        <p:nvSpPr>
+          <p:cNvPr id="9" name="Content Placeholder 8"/>
+          <p:cNvSpPr>
+            <a:spLocks noGrp="1"/>
+          </p:cNvSpPr>
+          <p:nvPr>
+            <p:ph idx="1"/>
+          </p:nvPr>
+        </p:nvSpPr>
+        <p:spPr>
+          <a:xfrm>
+            <a:off x="1141412" y="2249487"/>
+            <a:ext cx="5894388" cy="3541714"/>
+          </a:xfrm>
+        </p:spPr>
+        <p:txBody>
+          <a:bodyPr>
+            <a:normAutofit/>
+          </a:bodyPr>
+          <a:lstStyle/>
+          <a:p>
+            <a:r>
+              <a:rPr lang="en-US" dirty="0"/>
+              <a:t>Set up XAMPP with Tomcat and Maria DB. </a:t>
+            </a:r>
+          </a:p>
+          <a:p>
+            <a:r>
+              <a:rPr lang="en-US" dirty="0"/>
+              <a:t>Check Windows server side of fire wall's setting. (image on the left)</a:t>
+            </a:r>
+          </a:p>
+          <a:p>
+            <a:r>
+              <a:rPr lang="en-US" dirty="0"/>
+              <a:t>Tomcat entry is on port 8080.  </a:t>
+            </a:r>
+          </a:p>
+        </p:txBody>
+      </p:sp>
+    </p:spTree>
+    <p:extLst>
+      <p:ext uri="{BB962C8B-B14F-4D97-AF65-F5344CB8AC3E}">
+        <p14:creationId xmlns:p14="http://schemas.microsoft.com/office/powerpoint/2010/main" val="463692494"/>
+      </p:ext>
+    </p:extLst>
+  </p:cSld>
+  <p:clrMapOvr>
+    <a:masterClrMapping/>
+  </p:clrMapOvr>
+</p:sld>
+</file>
+
+<file path=ppt/slides/slide7.xml><?xml version="1.0" encoding="utf-8"?>
+<p:sld xmlns:a="http://schemas.openxmlformats.org/drawingml/2006/main" xmlns:r="http://schemas.openxmlformats.org/officeDocument/2006/relationships" xmlns:p="http://schemas.openxmlformats.org/presentationml/2006/main">
+  <p:cSld>
+    <p:spTree>
+      <p:nvGrpSpPr>
+        <p:cNvPr id="1" name=""/>
+        <p:cNvGrpSpPr/>
+        <p:nvPr/>
+      </p:nvGrpSpPr>
+      <p:grpSpPr>
+        <a:xfrm>
+          <a:off x="0" y="0"/>
+          <a:ext cx="0" cy="0"/>
+          <a:chOff x="0" y="0"/>
+          <a:chExt cx="0" cy="0"/>
+        </a:xfrm>
+      </p:grpSpPr>
+      <p:sp>
+        <p:nvSpPr>
+          <p:cNvPr id="2" name="Title 1"/>
+          <p:cNvSpPr>
+            <a:spLocks noGrp="1"/>
+          </p:cNvSpPr>
+          <p:nvPr>
+            <p:ph type="title"/>
+          </p:nvPr>
+        </p:nvSpPr>
+        <p:spPr/>
+        <p:txBody>
+          <a:bodyPr/>
+          <a:lstStyle/>
+          <a:p>
+            <a:r>
+              <a:rPr lang="en-US" dirty="0" err="1"/>
+              <a:t>Sql</a:t>
+            </a:r>
+            <a:r>
+              <a:rPr lang="en-US" dirty="0"/>
+              <a:t> table – login </a:t>
+            </a:r>
+            <a:r>
+              <a:rPr lang="en-US" dirty="0"/>
+              <a:t>–</a:t>
+            </a:r>
+            <a:r>
+              <a:rPr lang="en-US" dirty="0"/>
+              <a:t> </a:t>
+            </a:r>
+          </a:p>
+        </p:txBody>
+      </p:sp>
+      <p:sp>
+        <p:nvSpPr>
+          <p:cNvPr id="3" name="Content Placeholder 2"/>
+          <p:cNvSpPr>
+            <a:spLocks noGrp="1"/>
+          </p:cNvSpPr>
+          <p:nvPr>
+            <p:ph idx="1"/>
+          </p:nvPr>
+        </p:nvSpPr>
+        <p:spPr/>
+        <p:txBody>
+          <a:bodyPr/>
+          <a:lstStyle/>
+          <a:p>
+            <a:r>
+              <a:rPr lang="en-US" dirty="0"/>
+              <a:t>Use Maria DB</a:t>
+            </a:r>
+          </a:p>
+          <a:p>
+            <a:pPr lvl="1"/>
+            <a:r>
+              <a:rPr lang="en-US" b="1" dirty="0">
+                <a:solidFill>
+                  <a:srgbClr val="FF0000"/>
+                </a:solidFill>
+              </a:rPr>
+              <a:t>Login</a:t>
+            </a:r>
+            <a:r>
+              <a:rPr lang="en-US" dirty="0"/>
+              <a:t> table contains user information</a:t>
+            </a:r>
+          </a:p>
+          <a:p>
+            <a:pPr lvl="1"/>
+            <a:endParaRPr lang="en-US" dirty="0"/>
+          </a:p>
+          <a:p>
+            <a:pPr lvl="1"/>
+            <a:endParaRPr lang="en-US" dirty="0"/>
+          </a:p>
+          <a:p>
+            <a:pPr lvl="1"/>
+            <a:r>
+              <a:rPr lang="en-US" dirty="0" err="1"/>
+              <a:t>Fullname</a:t>
+            </a:r>
+            <a:r>
+              <a:rPr lang="en-US" dirty="0"/>
+              <a:t> – user’s name </a:t>
+            </a:r>
+          </a:p>
+          <a:p>
+            <a:pPr lvl="1"/>
+            <a:r>
+              <a:rPr lang="en-US" dirty="0"/>
+              <a:t>User – user ID</a:t>
+            </a:r>
+          </a:p>
+          <a:p>
+            <a:pPr lvl="1"/>
+            <a:r>
+              <a:rPr lang="en-US" dirty="0"/>
+              <a:t>Pass – password </a:t>
+            </a:r>
+          </a:p>
+          <a:p>
+            <a:pPr lvl="1"/>
+            <a:r>
+              <a:rPr lang="en-US" dirty="0"/>
+              <a:t>Random – salt for the password </a:t>
+            </a:r>
+          </a:p>
+          <a:p>
+            <a:pPr marL="0" indent="0">
+              <a:buNone/>
+            </a:pPr>
+            <a:endParaRPr lang="en-US" dirty="0"/>
+          </a:p>
+        </p:txBody>
+      </p:sp>
+      <p:graphicFrame>
+        <p:nvGraphicFramePr>
+          <p:cNvPr id="4" name="Table 3"/>
+          <p:cNvGraphicFramePr>
+            <a:graphicFrameLocks noGrp="1"/>
+          </p:cNvGraphicFramePr>
+          <p:nvPr>
+            <p:extLst>
+              <p:ext uri="{D42A27DB-BD31-4B8C-83A1-F6EECF244321}">
+                <p14:modId xmlns:p14="http://schemas.microsoft.com/office/powerpoint/2010/main" val="1894141244"/>
+              </p:ext>
+            </p:extLst>
+          </p:nvPr>
+        </p:nvGraphicFramePr>
+        <p:xfrm>
+          <a:off x="1897889" y="3287648"/>
+          <a:ext cx="8128000" cy="475970"/>
+        </p:xfrm>
+        <a:graphic>
+          <a:graphicData uri="http://schemas.openxmlformats.org/drawingml/2006/table">
+            <a:tbl>
+              <a:tblPr firstRow="1" bandRow="1">
+                <a:tableStyleId>{5C22544A-7EE6-4342-B048-85BDC9FD1C3A}</a:tableStyleId>
+              </a:tblPr>
+              <a:tblGrid>
+                <a:gridCol w="1625600">
+                  <a:extLst>
+                    <a:ext uri="{9D8B030D-6E8A-4147-A177-3AD203B41FA5}">
+                      <a16:colId xmlns:a16="http://schemas.microsoft.com/office/drawing/2014/main" val="2059445075"/>
+                    </a:ext>
+                  </a:extLst>
+                </a:gridCol>
+                <a:gridCol w="1625600">
+                  <a:extLst>
+                    <a:ext uri="{9D8B030D-6E8A-4147-A177-3AD203B41FA5}">
+                      <a16:colId xmlns:a16="http://schemas.microsoft.com/office/drawing/2014/main" val="3132441985"/>
+                    </a:ext>
+                  </a:extLst>
+                </a:gridCol>
+                <a:gridCol w="1625600">
+                  <a:extLst>
+                    <a:ext uri="{9D8B030D-6E8A-4147-A177-3AD203B41FA5}">
+                      <a16:colId xmlns:a16="http://schemas.microsoft.com/office/drawing/2014/main" val="2307139269"/>
+                    </a:ext>
+                  </a:extLst>
+                </a:gridCol>
+                <a:gridCol w="1625600">
+                  <a:extLst>
+                    <a:ext uri="{9D8B030D-6E8A-4147-A177-3AD203B41FA5}">
+                      <a16:colId xmlns:a16="http://schemas.microsoft.com/office/drawing/2014/main" val="947726789"/>
+                    </a:ext>
+                  </a:extLst>
+                </a:gridCol>
+                <a:gridCol w="1625600">
+                  <a:extLst>
+                    <a:ext uri="{9D8B030D-6E8A-4147-A177-3AD203B41FA5}">
+                      <a16:colId xmlns:a16="http://schemas.microsoft.com/office/drawing/2014/main" val="220302145"/>
+                    </a:ext>
+                  </a:extLst>
+                </a:gridCol>
+              </a:tblGrid>
+              <a:tr h="475970">
+                <a:tc>
+                  <a:txBody>
+                    <a:bodyPr/>
+                    <a:lstStyle/>
+                    <a:p>
+                      <a:r>
+                        <a:rPr lang="en-US" dirty="0" err="1"/>
+                        <a:t>Fullname</a:t>
+                      </a:r>
+                      <a:r>
+                        <a:rPr lang="en-US" dirty="0"/>
+                        <a:t> </a:t>
+                      </a:r>
+                    </a:p>
+                  </a:txBody>
+                  <a:tcPr/>
+                </a:tc>
+                <a:tc>
+                  <a:txBody>
+                    <a:bodyPr/>
+                    <a:lstStyle/>
+                    <a:p>
+                      <a:r>
+                        <a:rPr lang="en-US" dirty="0"/>
+                        <a:t>User </a:t>
+                      </a:r>
+                    </a:p>
+                  </a:txBody>
+                  <a:tcPr/>
+                </a:tc>
+                <a:tc>
+                  <a:txBody>
+                    <a:bodyPr/>
+                    <a:lstStyle/>
+                    <a:p>
+                      <a:r>
+                        <a:rPr lang="en-US" dirty="0"/>
+                        <a:t>pass</a:t>
+                      </a:r>
+                    </a:p>
+                  </a:txBody>
+                  <a:tcPr/>
+                </a:tc>
+                <a:tc>
+                  <a:txBody>
+                    <a:bodyPr/>
+                    <a:lstStyle/>
+                    <a:p>
+                      <a:r>
+                        <a:rPr lang="en-US" dirty="0"/>
+                        <a:t>role</a:t>
+                      </a:r>
+                    </a:p>
+                  </a:txBody>
+                  <a:tcPr/>
+                </a:tc>
+                <a:tc>
+                  <a:txBody>
+                    <a:bodyPr/>
+                    <a:lstStyle/>
+                    <a:p>
+                      <a:r>
+                        <a:rPr lang="en-US" dirty="0"/>
+                        <a:t>Random </a:t>
+                      </a:r>
+                    </a:p>
+                  </a:txBody>
+                  <a:tcPr/>
+                </a:tc>
+                <a:extLst>
+                  <a:ext uri="{0D108BD9-81ED-4DB2-BD59-A6C34878D82A}">
+                    <a16:rowId xmlns:a16="http://schemas.microsoft.com/office/drawing/2014/main" val="2498640777"/>
+                  </a:ext>
+                </a:extLst>
+              </a:tr>
+            </a:tbl>
+          </a:graphicData>
+        </a:graphic>
+      </p:graphicFrame>
+    </p:spTree>
+    <p:extLst>
+      <p:ext uri="{BB962C8B-B14F-4D97-AF65-F5344CB8AC3E}">
+        <p14:creationId xmlns:p14="http://schemas.microsoft.com/office/powerpoint/2010/main" val="3284394499"/>
+      </p:ext>
+    </p:extLst>
+  </p:cSld>
+  <p:clrMapOvr>
+    <a:masterClrMapping/>
+  </p:clrMapOvr>
+</p:sld>
+</file>
+
 <file path=ppt/slides/slide8.xml><?xml version="1.0" encoding="utf-8"?>
 <p:sld xmlns:a="http://schemas.openxmlformats.org/drawingml/2006/main" xmlns:r="http://schemas.openxmlformats.org/officeDocument/2006/relationships" xmlns:p="http://schemas.openxmlformats.org/presentationml/2006/main">
   <p:cSld>
@@ -14147,8 +15387,9 @@
             </a:r>
             <a:r>
               <a:rPr lang="en-US" dirty="0"/>
-              <a:t> injection – Prevention – </a:t>
-            </a:r>
+              <a:t> table –blog– </a:t>
+            </a:r>
+            <a:endParaRPr lang="en-US" dirty="0"/>
           </a:p>
         </p:txBody>
       </p:sp>
@@ -14167,51 +15408,143 @@
           <a:bodyPr/>
           <a:lstStyle/>
           <a:p>
-            <a:pPr marL="514350" indent="-514350">
-              <a:buFont typeface="+mj-lt"/>
-              <a:buAutoNum type="romanUcPeriod" startAt="2"/>
-            </a:pPr>
             <a:r>
               <a:rPr lang="en-US" dirty="0"/>
-              <a:t>Use Stored Procedure </a:t>
-            </a:r>
-          </a:p>
-          <a:p>
-            <a:pPr marL="971550" lvl="1" indent="-514350">
-              <a:buFont typeface="+mj-lt"/>
-              <a:buAutoNum type="romanUcPeriod"/>
-            </a:pPr>
+              <a:t>Blog table contains posts for the blog.</a:t>
+            </a:r>
+          </a:p>
+          <a:p>
+            <a:endParaRPr lang="en-US" dirty="0"/>
+          </a:p>
+          <a:p>
             <a:r>
               <a:rPr lang="en-US" dirty="0"/>
-              <a:t>Not always safe from SQL Injection</a:t>
-            </a:r>
-          </a:p>
-          <a:p>
-            <a:pPr marL="971550" lvl="1" indent="-514350">
-              <a:buFont typeface="+mj-lt"/>
-              <a:buAutoNum type="romanUcPeriod"/>
-            </a:pPr>
+              <a:t>Title is title of the post </a:t>
+            </a:r>
+          </a:p>
+          <a:p>
             <a:r>
               <a:rPr lang="en-US" dirty="0"/>
-              <a:t>Certain Stored Procedures have the similar effect as use of parameterized query</a:t>
-            </a:r>
-          </a:p>
-          <a:p>
-            <a:pPr marL="971550" lvl="1" indent="-514350">
-              <a:buFont typeface="+mj-lt"/>
-              <a:buAutoNum type="romanUcPeriod"/>
-            </a:pPr>
+              <a:t>Content is the articles in the post </a:t>
+            </a:r>
+          </a:p>
+          <a:p>
             <a:r>
               <a:rPr lang="en-US" dirty="0"/>
-              <a:t>It requires to build SQL query with parameters that are automatically parametrized unless the developer does something out of norm. </a:t>
-            </a:r>
-          </a:p>
-        </p:txBody>
-      </p:sp>
+              <a:t>ID is the post id and is the </a:t>
+            </a:r>
+            <a:r>
+              <a:rPr lang="en-US"/>
+              <a:t>primary key  </a:t>
+            </a:r>
+            <a:endParaRPr lang="en-US" dirty="0"/>
+          </a:p>
+          <a:p>
+            <a:endParaRPr lang="en-US" dirty="0"/>
+          </a:p>
+        </p:txBody>
+      </p:sp>
+      <p:graphicFrame>
+        <p:nvGraphicFramePr>
+          <p:cNvPr id="4" name="Table 3"/>
+          <p:cNvGraphicFramePr>
+            <a:graphicFrameLocks noGrp="1"/>
+          </p:cNvGraphicFramePr>
+          <p:nvPr>
+            <p:extLst>
+              <p:ext uri="{D42A27DB-BD31-4B8C-83A1-F6EECF244321}">
+                <p14:modId xmlns:p14="http://schemas.microsoft.com/office/powerpoint/2010/main" val="754739682"/>
+              </p:ext>
+            </p:extLst>
+          </p:nvPr>
+        </p:nvGraphicFramePr>
+        <p:xfrm>
+          <a:off x="1687444" y="2932778"/>
+          <a:ext cx="8127999" cy="370840"/>
+        </p:xfrm>
+        <a:graphic>
+          <a:graphicData uri="http://schemas.openxmlformats.org/drawingml/2006/table">
+            <a:tbl>
+              <a:tblPr firstRow="1" bandRow="1">
+                <a:tableStyleId>{00A15C55-8517-42AA-B614-E9B94910E393}</a:tableStyleId>
+              </a:tblPr>
+              <a:tblGrid>
+                <a:gridCol w="2709333">
+                  <a:extLst>
+                    <a:ext uri="{9D8B030D-6E8A-4147-A177-3AD203B41FA5}">
+                      <a16:colId xmlns:a16="http://schemas.microsoft.com/office/drawing/2014/main" val="2934709230"/>
+                    </a:ext>
+                  </a:extLst>
+                </a:gridCol>
+                <a:gridCol w="2709333">
+                  <a:extLst>
+                    <a:ext uri="{9D8B030D-6E8A-4147-A177-3AD203B41FA5}">
+                      <a16:colId xmlns:a16="http://schemas.microsoft.com/office/drawing/2014/main" val="2921083991"/>
+                    </a:ext>
+                  </a:extLst>
+                </a:gridCol>
+                <a:gridCol w="2709333">
+                  <a:extLst>
+                    <a:ext uri="{9D8B030D-6E8A-4147-A177-3AD203B41FA5}">
+                      <a16:colId xmlns:a16="http://schemas.microsoft.com/office/drawing/2014/main" val="2188224982"/>
+                    </a:ext>
+                  </a:extLst>
+                </a:gridCol>
+              </a:tblGrid>
+              <a:tr h="370840">
+                <a:tc>
+                  <a:txBody>
+                    <a:bodyPr/>
+                    <a:lstStyle/>
+                    <a:p>
+                      <a:r>
+                        <a:rPr lang="en-US" dirty="0"/>
+                        <a:t>title</a:t>
+                      </a:r>
+                    </a:p>
+                  </a:txBody>
+                  <a:tcPr/>
+                </a:tc>
+                <a:tc>
+                  <a:txBody>
+                    <a:bodyPr/>
+                    <a:lstStyle/>
+                    <a:p>
+                      <a:r>
+                        <a:rPr lang="en-US" dirty="0"/>
+                        <a:t>content</a:t>
+                      </a:r>
+                    </a:p>
+                  </a:txBody>
+                  <a:tcPr/>
+                </a:tc>
+                <a:tc>
+                  <a:txBody>
+                    <a:bodyPr/>
+                    <a:lstStyle/>
+                    <a:p>
+                      <a:r>
+                        <a:rPr lang="en-US" dirty="0"/>
+                        <a:t>id</a:t>
+                      </a:r>
+                    </a:p>
+                  </a:txBody>
+                  <a:tcPr/>
+                </a:tc>
+                <a:extLst>
+                  <a:ext uri="{0D108BD9-81ED-4DB2-BD59-A6C34878D82A}">
+                    <a16:rowId xmlns:a16="http://schemas.microsoft.com/office/drawing/2014/main" val="3317409230"/>
+                  </a:ext>
+                </a:extLst>
+              </a:tr>
+            </a:tbl>
+          </a:graphicData>
+        </a:graphic>
+      </p:graphicFrame>
     </p:spTree>
     <p:extLst>
       <p:ext uri="{BB962C8B-B14F-4D97-AF65-F5344CB8AC3E}">
-        <p14:creationId xmlns:p14="http://schemas.microsoft.com/office/powerpoint/2010/main" val="784620898"/>
+        <p14:creationId xmlns:p14="http://schemas.microsoft.com/office/powerpoint/2010/main" val="3660123045"/>
       </p:ext>
     </p:extLst>
   </p:cSld>
@@ -14259,19 +15592,19 @@
             </a:r>
             <a:r>
               <a:rPr lang="en-US" dirty="0"/>
-              <a:t> injection – Demonstration – </a:t>
-            </a:r>
-          </a:p>
-        </p:txBody>
-      </p:sp>
-      <p:sp>
-        <p:nvSpPr>
-          <p:cNvPr id="3" name="Content Placeholder 2"/>
+              <a:t> injection</a:t>
+            </a:r>
+          </a:p>
+        </p:txBody>
+      </p:sp>
+      <p:sp>
+        <p:nvSpPr>
+          <p:cNvPr id="3" name="Text Placeholder 2"/>
           <p:cNvSpPr>
             <a:spLocks noGrp="1"/>
           </p:cNvSpPr>
           <p:nvPr>
-            <p:ph idx="1"/>
+            <p:ph type="body" idx="1"/>
           </p:nvPr>
         </p:nvSpPr>
         <p:spPr/>
@@ -14279,37 +15612,14 @@
           <a:bodyPr/>
           <a:lstStyle/>
           <a:p>
-            <a:r>
-              <a:rPr lang="en-US" dirty="0"/>
-              <a:t>Not Preventing Site</a:t>
-            </a:r>
-          </a:p>
-          <a:p>
-            <a:pPr lvl="1"/>
-            <a:r>
-              <a:rPr lang="en-US" dirty="0"/>
-              <a:t>Running here</a:t>
-            </a:r>
-          </a:p>
-          <a:p>
-            <a:r>
-              <a:rPr lang="en-US" dirty="0"/>
-              <a:t>Preventing Site </a:t>
-            </a:r>
-          </a:p>
-          <a:p>
-            <a:pPr lvl="1"/>
-            <a:r>
-              <a:rPr lang="en-US" dirty="0"/>
-              <a:t>Running here  </a:t>
-            </a:r>
+            <a:endParaRPr lang="en-US" dirty="0"/>
           </a:p>
         </p:txBody>
       </p:sp>
     </p:spTree>
     <p:extLst>
       <p:ext uri="{BB962C8B-B14F-4D97-AF65-F5344CB8AC3E}">
-        <p14:creationId xmlns:p14="http://schemas.microsoft.com/office/powerpoint/2010/main" val="2083430775"/>
+        <p14:creationId xmlns:p14="http://schemas.microsoft.com/office/powerpoint/2010/main" val="1542226786"/>
       </p:ext>
     </p:extLst>
   </p:cSld>
